--- a/icon/icon.pptx
+++ b/icon/icon.pptx
@@ -107,6 +107,14 @@
       </a:defRPr>
     </a:lvl9pPr>
   </p:defaultTextStyle>
+  <p:extLst>
+    <p:ext uri="{EFAFB233-063F-42B5-8137-9DF3F51BA10A}">
+      <p15:sldGuideLst xmlns:p15="http://schemas.microsoft.com/office/powerpoint/2012/main"/>
+    </p:ext>
+    <p:ext uri="{2D200454-40CA-4A62-9FC3-DE9A4176ACB9}">
+      <p15:notesGuideLst xmlns:p15="http://schemas.microsoft.com/office/powerpoint/2012/main"/>
+    </p:ext>
+  </p:extLst>
 </p:presentation>
 </file>
 
@@ -192,7 +200,7 @@
           <a:p>
             <a:fld id="{B47C6596-61A5-5A46-8C77-EC0AC13656F7}" type="datetimeFigureOut">
               <a:rPr lang="en-CN" smtClean="0"/>
-              <a:t>2021/9/1</a:t>
+              <a:t>09/02/2021</a:t>
             </a:fld>
             <a:endParaRPr lang="en-CN"/>
           </a:p>
@@ -693,7 +701,7 @@
           <a:p>
             <a:fld id="{CF7FE675-94F4-AB45-A198-738FC2C026CA}" type="datetimeFigureOut">
               <a:rPr lang="en-CN" smtClean="0"/>
-              <a:t>2021/9/1</a:t>
+              <a:t>09/02/2021</a:t>
             </a:fld>
             <a:endParaRPr lang="en-CN"/>
           </a:p>
@@ -893,7 +901,7 @@
           <a:p>
             <a:fld id="{CF7FE675-94F4-AB45-A198-738FC2C026CA}" type="datetimeFigureOut">
               <a:rPr lang="en-CN" smtClean="0"/>
-              <a:t>2021/9/1</a:t>
+              <a:t>09/02/2021</a:t>
             </a:fld>
             <a:endParaRPr lang="en-CN"/>
           </a:p>
@@ -1103,7 +1111,7 @@
           <a:p>
             <a:fld id="{CF7FE675-94F4-AB45-A198-738FC2C026CA}" type="datetimeFigureOut">
               <a:rPr lang="en-CN" smtClean="0"/>
-              <a:t>2021/9/1</a:t>
+              <a:t>09/02/2021</a:t>
             </a:fld>
             <a:endParaRPr lang="en-CN"/>
           </a:p>
@@ -1303,7 +1311,7 @@
           <a:p>
             <a:fld id="{CF7FE675-94F4-AB45-A198-738FC2C026CA}" type="datetimeFigureOut">
               <a:rPr lang="en-CN" smtClean="0"/>
-              <a:t>2021/9/1</a:t>
+              <a:t>09/02/2021</a:t>
             </a:fld>
             <a:endParaRPr lang="en-CN"/>
           </a:p>
@@ -1579,7 +1587,7 @@
           <a:p>
             <a:fld id="{CF7FE675-94F4-AB45-A198-738FC2C026CA}" type="datetimeFigureOut">
               <a:rPr lang="en-CN" smtClean="0"/>
-              <a:t>2021/9/1</a:t>
+              <a:t>09/02/2021</a:t>
             </a:fld>
             <a:endParaRPr lang="en-CN"/>
           </a:p>
@@ -1847,7 +1855,7 @@
           <a:p>
             <a:fld id="{CF7FE675-94F4-AB45-A198-738FC2C026CA}" type="datetimeFigureOut">
               <a:rPr lang="en-CN" smtClean="0"/>
-              <a:t>2021/9/1</a:t>
+              <a:t>09/02/2021</a:t>
             </a:fld>
             <a:endParaRPr lang="en-CN"/>
           </a:p>
@@ -2262,7 +2270,7 @@
           <a:p>
             <a:fld id="{CF7FE675-94F4-AB45-A198-738FC2C026CA}" type="datetimeFigureOut">
               <a:rPr lang="en-CN" smtClean="0"/>
-              <a:t>2021/9/1</a:t>
+              <a:t>09/02/2021</a:t>
             </a:fld>
             <a:endParaRPr lang="en-CN"/>
           </a:p>
@@ -2404,7 +2412,7 @@
           <a:p>
             <a:fld id="{CF7FE675-94F4-AB45-A198-738FC2C026CA}" type="datetimeFigureOut">
               <a:rPr lang="en-CN" smtClean="0"/>
-              <a:t>2021/9/1</a:t>
+              <a:t>09/02/2021</a:t>
             </a:fld>
             <a:endParaRPr lang="en-CN"/>
           </a:p>
@@ -2517,7 +2525,7 @@
           <a:p>
             <a:fld id="{CF7FE675-94F4-AB45-A198-738FC2C026CA}" type="datetimeFigureOut">
               <a:rPr lang="en-CN" smtClean="0"/>
-              <a:t>2021/9/1</a:t>
+              <a:t>09/02/2021</a:t>
             </a:fld>
             <a:endParaRPr lang="en-CN"/>
           </a:p>
@@ -2830,7 +2838,7 @@
           <a:p>
             <a:fld id="{CF7FE675-94F4-AB45-A198-738FC2C026CA}" type="datetimeFigureOut">
               <a:rPr lang="en-CN" smtClean="0"/>
-              <a:t>2021/9/1</a:t>
+              <a:t>09/02/2021</a:t>
             </a:fld>
             <a:endParaRPr lang="en-CN"/>
           </a:p>
@@ -3119,7 +3127,7 @@
           <a:p>
             <a:fld id="{CF7FE675-94F4-AB45-A198-738FC2C026CA}" type="datetimeFigureOut">
               <a:rPr lang="en-CN" smtClean="0"/>
-              <a:t>2021/9/1</a:t>
+              <a:t>09/02/2021</a:t>
             </a:fld>
             <a:endParaRPr lang="en-CN"/>
           </a:p>
@@ -3362,7 +3370,7 @@
           <a:p>
             <a:fld id="{CF7FE675-94F4-AB45-A198-738FC2C026CA}" type="datetimeFigureOut">
               <a:rPr lang="en-CN" smtClean="0"/>
-              <a:t>2021/9/1</a:t>
+              <a:t>09/02/2021</a:t>
             </a:fld>
             <a:endParaRPr lang="en-CN"/>
           </a:p>
@@ -3911,6 +3919,519 @@
           </a:fontRef>
         </p:style>
       </p:cxnSp>
+      <p:cxnSp>
+        <p:nvCxnSpPr>
+          <p:cNvPr id="3" name="直接连接符 2">
+            <a:extLst>
+              <a:ext uri="{FF2B5EF4-FFF2-40B4-BE49-F238E27FC236}">
+                <a16:creationId xmlns:a16="http://schemas.microsoft.com/office/drawing/2014/main" id="{67AB3D0F-651E-4587-B5FB-EF49BA2DA761}"/>
+              </a:ext>
+            </a:extLst>
+          </p:cNvPr>
+          <p:cNvCxnSpPr>
+            <a:cxnSpLocks/>
+          </p:cNvCxnSpPr>
+          <p:nvPr/>
+        </p:nvCxnSpPr>
+        <p:spPr>
+          <a:xfrm>
+            <a:off x="3240233" y="4316506"/>
+            <a:ext cx="1673548" cy="0"/>
+          </a:xfrm>
+          <a:prstGeom prst="line">
+            <a:avLst/>
+          </a:prstGeom>
+          <a:ln w="25400"/>
+        </p:spPr>
+        <p:style>
+          <a:lnRef idx="2">
+            <a:schemeClr val="dk1"/>
+          </a:lnRef>
+          <a:fillRef idx="1">
+            <a:schemeClr val="lt1"/>
+          </a:fillRef>
+          <a:effectRef idx="0">
+            <a:schemeClr val="dk1"/>
+          </a:effectRef>
+          <a:fontRef idx="minor">
+            <a:schemeClr val="dk1"/>
+          </a:fontRef>
+        </p:style>
+      </p:cxnSp>
+      <p:cxnSp>
+        <p:nvCxnSpPr>
+          <p:cNvPr id="7" name="直接连接符 6">
+            <a:extLst>
+              <a:ext uri="{FF2B5EF4-FFF2-40B4-BE49-F238E27FC236}">
+                <a16:creationId xmlns:a16="http://schemas.microsoft.com/office/drawing/2014/main" id="{E87B83AE-E287-4F25-A74D-D96772251A8A}"/>
+              </a:ext>
+            </a:extLst>
+          </p:cNvPr>
+          <p:cNvCxnSpPr>
+            <a:cxnSpLocks/>
+          </p:cNvCxnSpPr>
+          <p:nvPr/>
+        </p:nvCxnSpPr>
+        <p:spPr>
+          <a:xfrm>
+            <a:off x="3240233" y="4892490"/>
+            <a:ext cx="1673548" cy="0"/>
+          </a:xfrm>
+          <a:prstGeom prst="line">
+            <a:avLst/>
+          </a:prstGeom>
+          <a:ln w="25400"/>
+        </p:spPr>
+        <p:style>
+          <a:lnRef idx="2">
+            <a:schemeClr val="dk1"/>
+          </a:lnRef>
+          <a:fillRef idx="1">
+            <a:schemeClr val="lt1"/>
+          </a:fillRef>
+          <a:effectRef idx="0">
+            <a:schemeClr val="dk1"/>
+          </a:effectRef>
+          <a:fontRef idx="minor">
+            <a:schemeClr val="dk1"/>
+          </a:fontRef>
+        </p:style>
+      </p:cxnSp>
+      <p:sp>
+        <p:nvSpPr>
+          <p:cNvPr id="10" name="矩形 9">
+            <a:extLst>
+              <a:ext uri="{FF2B5EF4-FFF2-40B4-BE49-F238E27FC236}">
+                <a16:creationId xmlns:a16="http://schemas.microsoft.com/office/drawing/2014/main" id="{49A0E667-B5A1-4D7A-A1AA-A72DF5910229}"/>
+              </a:ext>
+            </a:extLst>
+          </p:cNvPr>
+          <p:cNvSpPr/>
+          <p:nvPr/>
+        </p:nvSpPr>
+        <p:spPr>
+          <a:xfrm>
+            <a:off x="3570194" y="4383741"/>
+            <a:ext cx="292788" cy="437027"/>
+          </a:xfrm>
+          <a:prstGeom prst="rect">
+            <a:avLst/>
+          </a:prstGeom>
+          <a:ln w="25400"/>
+        </p:spPr>
+        <p:style>
+          <a:lnRef idx="2">
+            <a:schemeClr val="dk1"/>
+          </a:lnRef>
+          <a:fillRef idx="1">
+            <a:schemeClr val="lt1"/>
+          </a:fillRef>
+          <a:effectRef idx="0">
+            <a:schemeClr val="dk1"/>
+          </a:effectRef>
+          <a:fontRef idx="minor">
+            <a:schemeClr val="dk1"/>
+          </a:fontRef>
+        </p:style>
+        <p:txBody>
+          <a:bodyPr rtlCol="0" anchor="ctr"/>
+          <a:lstStyle/>
+          <a:p>
+            <a:pPr algn="ctr"/>
+            <a:endParaRPr lang="zh-CN" altLang="en-US"/>
+          </a:p>
+        </p:txBody>
+      </p:sp>
+      <p:sp>
+        <p:nvSpPr>
+          <p:cNvPr id="11" name="矩形 10">
+            <a:extLst>
+              <a:ext uri="{FF2B5EF4-FFF2-40B4-BE49-F238E27FC236}">
+                <a16:creationId xmlns:a16="http://schemas.microsoft.com/office/drawing/2014/main" id="{DDE90B15-29AF-4BC4-9A1E-7C576E43149B}"/>
+              </a:ext>
+            </a:extLst>
+          </p:cNvPr>
+          <p:cNvSpPr/>
+          <p:nvPr/>
+        </p:nvSpPr>
+        <p:spPr>
+          <a:xfrm>
+            <a:off x="3914497" y="4383740"/>
+            <a:ext cx="292788" cy="437027"/>
+          </a:xfrm>
+          <a:prstGeom prst="rect">
+            <a:avLst/>
+          </a:prstGeom>
+          <a:ln w="25400"/>
+        </p:spPr>
+        <p:style>
+          <a:lnRef idx="2">
+            <a:schemeClr val="dk1"/>
+          </a:lnRef>
+          <a:fillRef idx="1">
+            <a:schemeClr val="lt1"/>
+          </a:fillRef>
+          <a:effectRef idx="0">
+            <a:schemeClr val="dk1"/>
+          </a:effectRef>
+          <a:fontRef idx="minor">
+            <a:schemeClr val="dk1"/>
+          </a:fontRef>
+        </p:style>
+        <p:txBody>
+          <a:bodyPr rtlCol="0" anchor="ctr"/>
+          <a:lstStyle/>
+          <a:p>
+            <a:pPr algn="ctr"/>
+            <a:endParaRPr lang="zh-CN" altLang="en-US"/>
+          </a:p>
+        </p:txBody>
+      </p:sp>
+      <p:sp>
+        <p:nvSpPr>
+          <p:cNvPr id="12" name="矩形 11">
+            <a:extLst>
+              <a:ext uri="{FF2B5EF4-FFF2-40B4-BE49-F238E27FC236}">
+                <a16:creationId xmlns:a16="http://schemas.microsoft.com/office/drawing/2014/main" id="{3A33048E-A9C9-4150-91A8-748377F25408}"/>
+              </a:ext>
+            </a:extLst>
+          </p:cNvPr>
+          <p:cNvSpPr/>
+          <p:nvPr/>
+        </p:nvSpPr>
+        <p:spPr>
+          <a:xfrm>
+            <a:off x="4258800" y="4383741"/>
+            <a:ext cx="292788" cy="437027"/>
+          </a:xfrm>
+          <a:prstGeom prst="rect">
+            <a:avLst/>
+          </a:prstGeom>
+          <a:ln w="25400"/>
+        </p:spPr>
+        <p:style>
+          <a:lnRef idx="2">
+            <a:schemeClr val="dk1"/>
+          </a:lnRef>
+          <a:fillRef idx="1">
+            <a:schemeClr val="lt1"/>
+          </a:fillRef>
+          <a:effectRef idx="0">
+            <a:schemeClr val="dk1"/>
+          </a:effectRef>
+          <a:fontRef idx="minor">
+            <a:schemeClr val="dk1"/>
+          </a:fontRef>
+        </p:style>
+        <p:txBody>
+          <a:bodyPr rtlCol="0" anchor="ctr"/>
+          <a:lstStyle/>
+          <a:p>
+            <a:pPr algn="ctr"/>
+            <a:endParaRPr lang="zh-CN" altLang="en-US"/>
+          </a:p>
+        </p:txBody>
+      </p:sp>
+      <p:cxnSp>
+        <p:nvCxnSpPr>
+          <p:cNvPr id="15" name="直接箭头连接符 14">
+            <a:extLst>
+              <a:ext uri="{FF2B5EF4-FFF2-40B4-BE49-F238E27FC236}">
+                <a16:creationId xmlns:a16="http://schemas.microsoft.com/office/drawing/2014/main" id="{27667381-B01B-45AB-9086-EEF7852D74FE}"/>
+              </a:ext>
+            </a:extLst>
+          </p:cNvPr>
+          <p:cNvCxnSpPr>
+            <a:cxnSpLocks/>
+          </p:cNvCxnSpPr>
+          <p:nvPr/>
+        </p:nvCxnSpPr>
+        <p:spPr>
+          <a:xfrm flipV="1">
+            <a:off x="4646242" y="4605612"/>
+            <a:ext cx="265438" cy="2"/>
+          </a:xfrm>
+          <a:prstGeom prst="straightConnector1">
+            <a:avLst/>
+          </a:prstGeom>
+          <a:ln w="25400">
+            <a:tailEnd type="triangle"/>
+          </a:ln>
+        </p:spPr>
+        <p:style>
+          <a:lnRef idx="2">
+            <a:schemeClr val="dk1"/>
+          </a:lnRef>
+          <a:fillRef idx="1">
+            <a:schemeClr val="lt1"/>
+          </a:fillRef>
+          <a:effectRef idx="0">
+            <a:schemeClr val="dk1"/>
+          </a:effectRef>
+          <a:fontRef idx="minor">
+            <a:schemeClr val="dk1"/>
+          </a:fontRef>
+        </p:style>
+      </p:cxnSp>
+      <p:cxnSp>
+        <p:nvCxnSpPr>
+          <p:cNvPr id="16" name="直接箭头连接符 15">
+            <a:extLst>
+              <a:ext uri="{FF2B5EF4-FFF2-40B4-BE49-F238E27FC236}">
+                <a16:creationId xmlns:a16="http://schemas.microsoft.com/office/drawing/2014/main" id="{9A69060F-8A13-4322-9FBC-E7591799508B}"/>
+              </a:ext>
+            </a:extLst>
+          </p:cNvPr>
+          <p:cNvCxnSpPr/>
+          <p:nvPr/>
+        </p:nvCxnSpPr>
+        <p:spPr>
+          <a:xfrm flipV="1">
+            <a:off x="3239566" y="4605614"/>
+            <a:ext cx="265438" cy="2"/>
+          </a:xfrm>
+          <a:prstGeom prst="straightConnector1">
+            <a:avLst/>
+          </a:prstGeom>
+          <a:ln w="25400">
+            <a:tailEnd type="triangle"/>
+          </a:ln>
+        </p:spPr>
+        <p:style>
+          <a:lnRef idx="2">
+            <a:schemeClr val="dk1"/>
+          </a:lnRef>
+          <a:fillRef idx="1">
+            <a:schemeClr val="lt1"/>
+          </a:fillRef>
+          <a:effectRef idx="0">
+            <a:schemeClr val="dk1"/>
+          </a:effectRef>
+          <a:fontRef idx="minor">
+            <a:schemeClr val="dk1"/>
+          </a:fontRef>
+        </p:style>
+      </p:cxnSp>
+      <p:sp>
+        <p:nvSpPr>
+          <p:cNvPr id="19" name="矩形 18">
+            <a:extLst>
+              <a:ext uri="{FF2B5EF4-FFF2-40B4-BE49-F238E27FC236}">
+                <a16:creationId xmlns:a16="http://schemas.microsoft.com/office/drawing/2014/main" id="{797420EA-CCB2-40E4-932A-313A3A0C997D}"/>
+              </a:ext>
+            </a:extLst>
+          </p:cNvPr>
+          <p:cNvSpPr/>
+          <p:nvPr/>
+        </p:nvSpPr>
+        <p:spPr>
+          <a:xfrm>
+            <a:off x="1337481" y="887104"/>
+            <a:ext cx="143301" cy="648269"/>
+          </a:xfrm>
+          <a:prstGeom prst="rect">
+            <a:avLst/>
+          </a:prstGeom>
+        </p:spPr>
+        <p:style>
+          <a:lnRef idx="2">
+            <a:schemeClr val="dk1"/>
+          </a:lnRef>
+          <a:fillRef idx="1">
+            <a:schemeClr val="lt1"/>
+          </a:fillRef>
+          <a:effectRef idx="0">
+            <a:schemeClr val="dk1"/>
+          </a:effectRef>
+          <a:fontRef idx="minor">
+            <a:schemeClr val="dk1"/>
+          </a:fontRef>
+        </p:style>
+        <p:txBody>
+          <a:bodyPr rtlCol="0" anchor="ctr"/>
+          <a:lstStyle/>
+          <a:p>
+            <a:pPr algn="ctr"/>
+            <a:endParaRPr lang="zh-CN" altLang="en-US" dirty="0"/>
+          </a:p>
+        </p:txBody>
+      </p:sp>
+      <p:sp>
+        <p:nvSpPr>
+          <p:cNvPr id="20" name="矩形 19">
+            <a:extLst>
+              <a:ext uri="{FF2B5EF4-FFF2-40B4-BE49-F238E27FC236}">
+                <a16:creationId xmlns:a16="http://schemas.microsoft.com/office/drawing/2014/main" id="{AC5224BF-96FC-4FD5-AF27-DA327D662E72}"/>
+              </a:ext>
+            </a:extLst>
+          </p:cNvPr>
+          <p:cNvSpPr/>
+          <p:nvPr/>
+        </p:nvSpPr>
+        <p:spPr>
+          <a:xfrm>
+            <a:off x="1543334" y="715369"/>
+            <a:ext cx="143301" cy="820004"/>
+          </a:xfrm>
+          <a:prstGeom prst="rect">
+            <a:avLst/>
+          </a:prstGeom>
+        </p:spPr>
+        <p:style>
+          <a:lnRef idx="2">
+            <a:schemeClr val="dk1"/>
+          </a:lnRef>
+          <a:fillRef idx="1">
+            <a:schemeClr val="lt1"/>
+          </a:fillRef>
+          <a:effectRef idx="0">
+            <a:schemeClr val="dk1"/>
+          </a:effectRef>
+          <a:fontRef idx="minor">
+            <a:schemeClr val="dk1"/>
+          </a:fontRef>
+        </p:style>
+        <p:txBody>
+          <a:bodyPr rtlCol="0" anchor="ctr"/>
+          <a:lstStyle/>
+          <a:p>
+            <a:pPr algn="ctr"/>
+            <a:endParaRPr lang="zh-CN" altLang="en-US" dirty="0"/>
+          </a:p>
+        </p:txBody>
+      </p:sp>
+      <p:sp>
+        <p:nvSpPr>
+          <p:cNvPr id="21" name="矩形 20">
+            <a:extLst>
+              <a:ext uri="{FF2B5EF4-FFF2-40B4-BE49-F238E27FC236}">
+                <a16:creationId xmlns:a16="http://schemas.microsoft.com/office/drawing/2014/main" id="{6F864260-C5B0-4167-A8E8-34607E8DC3C8}"/>
+              </a:ext>
+            </a:extLst>
+          </p:cNvPr>
+          <p:cNvSpPr/>
+          <p:nvPr/>
+        </p:nvSpPr>
+        <p:spPr>
+          <a:xfrm>
+            <a:off x="1749187" y="887104"/>
+            <a:ext cx="143301" cy="648269"/>
+          </a:xfrm>
+          <a:prstGeom prst="rect">
+            <a:avLst/>
+          </a:prstGeom>
+        </p:spPr>
+        <p:style>
+          <a:lnRef idx="2">
+            <a:schemeClr val="dk1"/>
+          </a:lnRef>
+          <a:fillRef idx="1">
+            <a:schemeClr val="lt1"/>
+          </a:fillRef>
+          <a:effectRef idx="0">
+            <a:schemeClr val="dk1"/>
+          </a:effectRef>
+          <a:fontRef idx="minor">
+            <a:schemeClr val="dk1"/>
+          </a:fontRef>
+        </p:style>
+        <p:txBody>
+          <a:bodyPr rtlCol="0" anchor="ctr"/>
+          <a:lstStyle/>
+          <a:p>
+            <a:pPr algn="ctr"/>
+            <a:endParaRPr lang="zh-CN" altLang="en-US" dirty="0"/>
+          </a:p>
+        </p:txBody>
+      </p:sp>
+      <p:sp>
+        <p:nvSpPr>
+          <p:cNvPr id="22" name="矩形 21">
+            <a:extLst>
+              <a:ext uri="{FF2B5EF4-FFF2-40B4-BE49-F238E27FC236}">
+                <a16:creationId xmlns:a16="http://schemas.microsoft.com/office/drawing/2014/main" id="{8D06F1BB-875C-4177-835D-5DEFE4B872D5}"/>
+              </a:ext>
+            </a:extLst>
+          </p:cNvPr>
+          <p:cNvSpPr/>
+          <p:nvPr/>
+        </p:nvSpPr>
+        <p:spPr>
+          <a:xfrm>
+            <a:off x="1955040" y="818865"/>
+            <a:ext cx="143301" cy="716508"/>
+          </a:xfrm>
+          <a:prstGeom prst="rect">
+            <a:avLst/>
+          </a:prstGeom>
+        </p:spPr>
+        <p:style>
+          <a:lnRef idx="2">
+            <a:schemeClr val="dk1"/>
+          </a:lnRef>
+          <a:fillRef idx="1">
+            <a:schemeClr val="lt1"/>
+          </a:fillRef>
+          <a:effectRef idx="0">
+            <a:schemeClr val="dk1"/>
+          </a:effectRef>
+          <a:fontRef idx="minor">
+            <a:schemeClr val="dk1"/>
+          </a:fontRef>
+        </p:style>
+        <p:txBody>
+          <a:bodyPr rtlCol="0" anchor="ctr"/>
+          <a:lstStyle/>
+          <a:p>
+            <a:pPr algn="ctr"/>
+            <a:endParaRPr lang="zh-CN" altLang="en-US" dirty="0"/>
+          </a:p>
+        </p:txBody>
+      </p:sp>
+      <p:sp>
+        <p:nvSpPr>
+          <p:cNvPr id="23" name="矩形 22">
+            <a:extLst>
+              <a:ext uri="{FF2B5EF4-FFF2-40B4-BE49-F238E27FC236}">
+                <a16:creationId xmlns:a16="http://schemas.microsoft.com/office/drawing/2014/main" id="{E8C822FD-1CC2-4609-8009-9C3D419381C3}"/>
+              </a:ext>
+            </a:extLst>
+          </p:cNvPr>
+          <p:cNvSpPr/>
+          <p:nvPr/>
+        </p:nvSpPr>
+        <p:spPr>
+          <a:xfrm>
+            <a:off x="1126511" y="1001972"/>
+            <a:ext cx="143301" cy="533401"/>
+          </a:xfrm>
+          <a:prstGeom prst="rect">
+            <a:avLst/>
+          </a:prstGeom>
+        </p:spPr>
+        <p:style>
+          <a:lnRef idx="2">
+            <a:schemeClr val="dk1"/>
+          </a:lnRef>
+          <a:fillRef idx="1">
+            <a:schemeClr val="lt1"/>
+          </a:fillRef>
+          <a:effectRef idx="0">
+            <a:schemeClr val="dk1"/>
+          </a:effectRef>
+          <a:fontRef idx="minor">
+            <a:schemeClr val="dk1"/>
+          </a:fontRef>
+        </p:style>
+        <p:txBody>
+          <a:bodyPr rtlCol="0" anchor="ctr"/>
+          <a:lstStyle/>
+          <a:p>
+            <a:pPr algn="ctr"/>
+            <a:endParaRPr lang="zh-CN" altLang="en-US" dirty="0"/>
+          </a:p>
+        </p:txBody>
+      </p:sp>
     </p:spTree>
     <p:extLst>
       <p:ext uri="{BB962C8B-B14F-4D97-AF65-F5344CB8AC3E}">

--- a/icon/icon.pptx
+++ b/icon/icon.pptx
@@ -5,10 +5,11 @@
     <p:sldMasterId id="2147483648" r:id="rId1"/>
   </p:sldMasterIdLst>
   <p:notesMasterIdLst>
-    <p:notesMasterId r:id="rId3"/>
+    <p:notesMasterId r:id="rId4"/>
   </p:notesMasterIdLst>
   <p:sldIdLst>
     <p:sldId id="256" r:id="rId2"/>
+    <p:sldId id="257" r:id="rId3"/>
   </p:sldIdLst>
   <p:sldSz cx="12192000" cy="6858000"/>
   <p:notesSz cx="6858000" cy="9144000"/>
@@ -543,6 +544,90 @@
     <p:extLst>
       <p:ext uri="{BB962C8B-B14F-4D97-AF65-F5344CB8AC3E}">
         <p14:creationId xmlns:p14="http://schemas.microsoft.com/office/powerpoint/2010/main" val="3141301353"/>
+      </p:ext>
+    </p:extLst>
+  </p:cSld>
+  <p:clrMapOvr>
+    <a:masterClrMapping/>
+  </p:clrMapOvr>
+</p:notes>
+</file>
+
+<file path=ppt/notesSlides/notesSlide2.xml><?xml version="1.0" encoding="utf-8"?>
+<p:notes xmlns:a="http://schemas.openxmlformats.org/drawingml/2006/main" xmlns:r="http://schemas.openxmlformats.org/officeDocument/2006/relationships" xmlns:p="http://schemas.openxmlformats.org/presentationml/2006/main">
+  <p:cSld>
+    <p:spTree>
+      <p:nvGrpSpPr>
+        <p:cNvPr id="1" name=""/>
+        <p:cNvGrpSpPr/>
+        <p:nvPr/>
+      </p:nvGrpSpPr>
+      <p:grpSpPr>
+        <a:xfrm>
+          <a:off x="0" y="0"/>
+          <a:ext cx="0" cy="0"/>
+          <a:chOff x="0" y="0"/>
+          <a:chExt cx="0" cy="0"/>
+        </a:xfrm>
+      </p:grpSpPr>
+      <p:sp>
+        <p:nvSpPr>
+          <p:cNvPr id="2" name="Slide Image Placeholder 1"/>
+          <p:cNvSpPr>
+            <a:spLocks noGrp="1" noRot="1" noChangeAspect="1"/>
+          </p:cNvSpPr>
+          <p:nvPr>
+            <p:ph type="sldImg"/>
+          </p:nvPr>
+        </p:nvSpPr>
+        <p:spPr/>
+      </p:sp>
+      <p:sp>
+        <p:nvSpPr>
+          <p:cNvPr id="3" name="Notes Placeholder 2"/>
+          <p:cNvSpPr>
+            <a:spLocks noGrp="1"/>
+          </p:cNvSpPr>
+          <p:nvPr>
+            <p:ph type="body" idx="1"/>
+          </p:nvPr>
+        </p:nvSpPr>
+        <p:spPr/>
+        <p:txBody>
+          <a:bodyPr/>
+          <a:lstStyle/>
+          <a:p>
+            <a:endParaRPr lang="en-CN"/>
+          </a:p>
+        </p:txBody>
+      </p:sp>
+      <p:sp>
+        <p:nvSpPr>
+          <p:cNvPr id="4" name="Slide Number Placeholder 3"/>
+          <p:cNvSpPr>
+            <a:spLocks noGrp="1"/>
+          </p:cNvSpPr>
+          <p:nvPr>
+            <p:ph type="sldNum" sz="quarter" idx="5"/>
+          </p:nvPr>
+        </p:nvSpPr>
+        <p:spPr/>
+        <p:txBody>
+          <a:bodyPr/>
+          <a:lstStyle/>
+          <a:p>
+            <a:fld id="{AF3D4E00-5B58-2142-A4DD-E75EA7C9FA8B}" type="slidenum">
+              <a:rPr lang="en-CN" smtClean="0"/>
+              <a:t>2</a:t>
+            </a:fld>
+            <a:endParaRPr lang="en-CN"/>
+          </a:p>
+        </p:txBody>
+      </p:sp>
+    </p:spTree>
+    <p:extLst>
+      <p:ext uri="{BB962C8B-B14F-4D97-AF65-F5344CB8AC3E}">
+        <p14:creationId xmlns:p14="http://schemas.microsoft.com/office/powerpoint/2010/main" val="3009507569"/>
       </p:ext>
     </p:extLst>
   </p:cSld>
@@ -3919,12 +4004,800 @@
           </a:fontRef>
         </p:style>
       </p:cxnSp>
+      <p:grpSp>
+        <p:nvGrpSpPr>
+          <p:cNvPr id="14" name="组合 13">
+            <a:extLst>
+              <a:ext uri="{FF2B5EF4-FFF2-40B4-BE49-F238E27FC236}">
+                <a16:creationId xmlns:a16="http://schemas.microsoft.com/office/drawing/2014/main" id="{BC90441A-6AED-4277-9235-C97EA61E05C1}"/>
+              </a:ext>
+            </a:extLst>
+          </p:cNvPr>
+          <p:cNvGrpSpPr/>
+          <p:nvPr/>
+        </p:nvGrpSpPr>
+        <p:grpSpPr>
+          <a:xfrm>
+            <a:off x="3098793" y="3287806"/>
+            <a:ext cx="1630741" cy="575984"/>
+            <a:chOff x="3098793" y="3287806"/>
+            <a:chExt cx="1674215" cy="575984"/>
+          </a:xfrm>
+        </p:grpSpPr>
+        <p:cxnSp>
+          <p:nvCxnSpPr>
+            <p:cNvPr id="3" name="直接连接符 2">
+              <a:extLst>
+                <a:ext uri="{FF2B5EF4-FFF2-40B4-BE49-F238E27FC236}">
+                  <a16:creationId xmlns:a16="http://schemas.microsoft.com/office/drawing/2014/main" id="{67AB3D0F-651E-4587-B5FB-EF49BA2DA761}"/>
+                </a:ext>
+              </a:extLst>
+            </p:cNvPr>
+            <p:cNvCxnSpPr>
+              <a:cxnSpLocks/>
+            </p:cNvCxnSpPr>
+            <p:nvPr/>
+          </p:nvCxnSpPr>
+          <p:spPr>
+            <a:xfrm>
+              <a:off x="3099460" y="3287806"/>
+              <a:ext cx="1673548" cy="0"/>
+            </a:xfrm>
+            <a:prstGeom prst="line">
+              <a:avLst/>
+            </a:prstGeom>
+            <a:ln w="25400"/>
+          </p:spPr>
+          <p:style>
+            <a:lnRef idx="2">
+              <a:schemeClr val="dk1"/>
+            </a:lnRef>
+            <a:fillRef idx="1">
+              <a:schemeClr val="lt1"/>
+            </a:fillRef>
+            <a:effectRef idx="0">
+              <a:schemeClr val="dk1"/>
+            </a:effectRef>
+            <a:fontRef idx="minor">
+              <a:schemeClr val="dk1"/>
+            </a:fontRef>
+          </p:style>
+        </p:cxnSp>
+        <p:cxnSp>
+          <p:nvCxnSpPr>
+            <p:cNvPr id="7" name="直接连接符 6">
+              <a:extLst>
+                <a:ext uri="{FF2B5EF4-FFF2-40B4-BE49-F238E27FC236}">
+                  <a16:creationId xmlns:a16="http://schemas.microsoft.com/office/drawing/2014/main" id="{E87B83AE-E287-4F25-A74D-D96772251A8A}"/>
+                </a:ext>
+              </a:extLst>
+            </p:cNvPr>
+            <p:cNvCxnSpPr>
+              <a:cxnSpLocks/>
+            </p:cNvCxnSpPr>
+            <p:nvPr/>
+          </p:nvCxnSpPr>
+          <p:spPr>
+            <a:xfrm>
+              <a:off x="3099460" y="3863790"/>
+              <a:ext cx="1673548" cy="0"/>
+            </a:xfrm>
+            <a:prstGeom prst="line">
+              <a:avLst/>
+            </a:prstGeom>
+            <a:ln w="25400"/>
+          </p:spPr>
+          <p:style>
+            <a:lnRef idx="2">
+              <a:schemeClr val="dk1"/>
+            </a:lnRef>
+            <a:fillRef idx="1">
+              <a:schemeClr val="lt1"/>
+            </a:fillRef>
+            <a:effectRef idx="0">
+              <a:schemeClr val="dk1"/>
+            </a:effectRef>
+            <a:fontRef idx="minor">
+              <a:schemeClr val="dk1"/>
+            </a:fontRef>
+          </p:style>
+        </p:cxnSp>
+        <p:sp>
+          <p:nvSpPr>
+            <p:cNvPr id="10" name="矩形 9">
+              <a:extLst>
+                <a:ext uri="{FF2B5EF4-FFF2-40B4-BE49-F238E27FC236}">
+                  <a16:creationId xmlns:a16="http://schemas.microsoft.com/office/drawing/2014/main" id="{49A0E667-B5A1-4D7A-A1AA-A72DF5910229}"/>
+                </a:ext>
+              </a:extLst>
+            </p:cNvPr>
+            <p:cNvSpPr/>
+            <p:nvPr/>
+          </p:nvSpPr>
+          <p:spPr>
+            <a:xfrm>
+              <a:off x="3429421" y="3355041"/>
+              <a:ext cx="292788" cy="437027"/>
+            </a:xfrm>
+            <a:prstGeom prst="rect">
+              <a:avLst/>
+            </a:prstGeom>
+            <a:ln w="25400"/>
+          </p:spPr>
+          <p:style>
+            <a:lnRef idx="2">
+              <a:schemeClr val="dk1"/>
+            </a:lnRef>
+            <a:fillRef idx="1">
+              <a:schemeClr val="lt1"/>
+            </a:fillRef>
+            <a:effectRef idx="0">
+              <a:schemeClr val="dk1"/>
+            </a:effectRef>
+            <a:fontRef idx="minor">
+              <a:schemeClr val="dk1"/>
+            </a:fontRef>
+          </p:style>
+          <p:txBody>
+            <a:bodyPr rtlCol="0" anchor="ctr"/>
+            <a:lstStyle/>
+            <a:p>
+              <a:pPr algn="ctr"/>
+              <a:endParaRPr lang="zh-CN" altLang="en-US"/>
+            </a:p>
+          </p:txBody>
+        </p:sp>
+        <p:sp>
+          <p:nvSpPr>
+            <p:cNvPr id="11" name="矩形 10">
+              <a:extLst>
+                <a:ext uri="{FF2B5EF4-FFF2-40B4-BE49-F238E27FC236}">
+                  <a16:creationId xmlns:a16="http://schemas.microsoft.com/office/drawing/2014/main" id="{DDE90B15-29AF-4BC4-9A1E-7C576E43149B}"/>
+                </a:ext>
+              </a:extLst>
+            </p:cNvPr>
+            <p:cNvSpPr/>
+            <p:nvPr/>
+          </p:nvSpPr>
+          <p:spPr>
+            <a:xfrm>
+              <a:off x="3773724" y="3355040"/>
+              <a:ext cx="292788" cy="437027"/>
+            </a:xfrm>
+            <a:prstGeom prst="rect">
+              <a:avLst/>
+            </a:prstGeom>
+            <a:ln w="25400"/>
+          </p:spPr>
+          <p:style>
+            <a:lnRef idx="2">
+              <a:schemeClr val="dk1"/>
+            </a:lnRef>
+            <a:fillRef idx="1">
+              <a:schemeClr val="lt1"/>
+            </a:fillRef>
+            <a:effectRef idx="0">
+              <a:schemeClr val="dk1"/>
+            </a:effectRef>
+            <a:fontRef idx="minor">
+              <a:schemeClr val="dk1"/>
+            </a:fontRef>
+          </p:style>
+          <p:txBody>
+            <a:bodyPr rtlCol="0" anchor="ctr"/>
+            <a:lstStyle/>
+            <a:p>
+              <a:pPr algn="ctr"/>
+              <a:endParaRPr lang="zh-CN" altLang="en-US"/>
+            </a:p>
+          </p:txBody>
+        </p:sp>
+        <p:sp>
+          <p:nvSpPr>
+            <p:cNvPr id="12" name="矩形 11">
+              <a:extLst>
+                <a:ext uri="{FF2B5EF4-FFF2-40B4-BE49-F238E27FC236}">
+                  <a16:creationId xmlns:a16="http://schemas.microsoft.com/office/drawing/2014/main" id="{3A33048E-A9C9-4150-91A8-748377F25408}"/>
+                </a:ext>
+              </a:extLst>
+            </p:cNvPr>
+            <p:cNvSpPr/>
+            <p:nvPr/>
+          </p:nvSpPr>
+          <p:spPr>
+            <a:xfrm>
+              <a:off x="4118027" y="3355041"/>
+              <a:ext cx="292788" cy="437027"/>
+            </a:xfrm>
+            <a:prstGeom prst="rect">
+              <a:avLst/>
+            </a:prstGeom>
+            <a:ln w="25400"/>
+          </p:spPr>
+          <p:style>
+            <a:lnRef idx="2">
+              <a:schemeClr val="dk1"/>
+            </a:lnRef>
+            <a:fillRef idx="1">
+              <a:schemeClr val="lt1"/>
+            </a:fillRef>
+            <a:effectRef idx="0">
+              <a:schemeClr val="dk1"/>
+            </a:effectRef>
+            <a:fontRef idx="minor">
+              <a:schemeClr val="dk1"/>
+            </a:fontRef>
+          </p:style>
+          <p:txBody>
+            <a:bodyPr rtlCol="0" anchor="ctr"/>
+            <a:lstStyle/>
+            <a:p>
+              <a:pPr algn="ctr"/>
+              <a:endParaRPr lang="zh-CN" altLang="en-US"/>
+            </a:p>
+          </p:txBody>
+        </p:sp>
+        <p:cxnSp>
+          <p:nvCxnSpPr>
+            <p:cNvPr id="15" name="直接箭头连接符 14">
+              <a:extLst>
+                <a:ext uri="{FF2B5EF4-FFF2-40B4-BE49-F238E27FC236}">
+                  <a16:creationId xmlns:a16="http://schemas.microsoft.com/office/drawing/2014/main" id="{27667381-B01B-45AB-9086-EEF7852D74FE}"/>
+                </a:ext>
+              </a:extLst>
+            </p:cNvPr>
+            <p:cNvCxnSpPr>
+              <a:cxnSpLocks/>
+            </p:cNvCxnSpPr>
+            <p:nvPr/>
+          </p:nvCxnSpPr>
+          <p:spPr>
+            <a:xfrm flipV="1">
+              <a:off x="4505469" y="3576912"/>
+              <a:ext cx="265438" cy="2"/>
+            </a:xfrm>
+            <a:prstGeom prst="straightConnector1">
+              <a:avLst/>
+            </a:prstGeom>
+            <a:ln w="25400">
+              <a:tailEnd type="triangle"/>
+            </a:ln>
+          </p:spPr>
+          <p:style>
+            <a:lnRef idx="2">
+              <a:schemeClr val="dk1"/>
+            </a:lnRef>
+            <a:fillRef idx="1">
+              <a:schemeClr val="lt1"/>
+            </a:fillRef>
+            <a:effectRef idx="0">
+              <a:schemeClr val="dk1"/>
+            </a:effectRef>
+            <a:fontRef idx="minor">
+              <a:schemeClr val="dk1"/>
+            </a:fontRef>
+          </p:style>
+        </p:cxnSp>
+        <p:cxnSp>
+          <p:nvCxnSpPr>
+            <p:cNvPr id="16" name="直接箭头连接符 15">
+              <a:extLst>
+                <a:ext uri="{FF2B5EF4-FFF2-40B4-BE49-F238E27FC236}">
+                  <a16:creationId xmlns:a16="http://schemas.microsoft.com/office/drawing/2014/main" id="{9A69060F-8A13-4322-9FBC-E7591799508B}"/>
+                </a:ext>
+              </a:extLst>
+            </p:cNvPr>
+            <p:cNvCxnSpPr>
+              <a:cxnSpLocks/>
+            </p:cNvCxnSpPr>
+            <p:nvPr/>
+          </p:nvCxnSpPr>
+          <p:spPr>
+            <a:xfrm flipV="1">
+              <a:off x="3098793" y="3576914"/>
+              <a:ext cx="265438" cy="2"/>
+            </a:xfrm>
+            <a:prstGeom prst="straightConnector1">
+              <a:avLst/>
+            </a:prstGeom>
+            <a:ln w="25400">
+              <a:tailEnd type="triangle"/>
+            </a:ln>
+          </p:spPr>
+          <p:style>
+            <a:lnRef idx="2">
+              <a:schemeClr val="dk1"/>
+            </a:lnRef>
+            <a:fillRef idx="1">
+              <a:schemeClr val="lt1"/>
+            </a:fillRef>
+            <a:effectRef idx="0">
+              <a:schemeClr val="dk1"/>
+            </a:effectRef>
+            <a:fontRef idx="minor">
+              <a:schemeClr val="dk1"/>
+            </a:fontRef>
+          </p:style>
+        </p:cxnSp>
+      </p:grpSp>
+      <p:sp>
+        <p:nvSpPr>
+          <p:cNvPr id="19" name="矩形 18">
+            <a:extLst>
+              <a:ext uri="{FF2B5EF4-FFF2-40B4-BE49-F238E27FC236}">
+                <a16:creationId xmlns:a16="http://schemas.microsoft.com/office/drawing/2014/main" id="{797420EA-CCB2-40E4-932A-313A3A0C997D}"/>
+              </a:ext>
+            </a:extLst>
+          </p:cNvPr>
+          <p:cNvSpPr/>
+          <p:nvPr/>
+        </p:nvSpPr>
+        <p:spPr>
+          <a:xfrm>
+            <a:off x="1337481" y="887104"/>
+            <a:ext cx="143301" cy="648269"/>
+          </a:xfrm>
+          <a:prstGeom prst="rect">
+            <a:avLst/>
+          </a:prstGeom>
+        </p:spPr>
+        <p:style>
+          <a:lnRef idx="2">
+            <a:schemeClr val="dk1"/>
+          </a:lnRef>
+          <a:fillRef idx="1">
+            <a:schemeClr val="lt1"/>
+          </a:fillRef>
+          <a:effectRef idx="0">
+            <a:schemeClr val="dk1"/>
+          </a:effectRef>
+          <a:fontRef idx="minor">
+            <a:schemeClr val="dk1"/>
+          </a:fontRef>
+        </p:style>
+        <p:txBody>
+          <a:bodyPr rtlCol="0" anchor="ctr"/>
+          <a:lstStyle/>
+          <a:p>
+            <a:pPr algn="ctr"/>
+            <a:endParaRPr lang="zh-CN" altLang="en-US" dirty="0"/>
+          </a:p>
+        </p:txBody>
+      </p:sp>
+      <p:sp>
+        <p:nvSpPr>
+          <p:cNvPr id="20" name="矩形 19">
+            <a:extLst>
+              <a:ext uri="{FF2B5EF4-FFF2-40B4-BE49-F238E27FC236}">
+                <a16:creationId xmlns:a16="http://schemas.microsoft.com/office/drawing/2014/main" id="{AC5224BF-96FC-4FD5-AF27-DA327D662E72}"/>
+              </a:ext>
+            </a:extLst>
+          </p:cNvPr>
+          <p:cNvSpPr/>
+          <p:nvPr/>
+        </p:nvSpPr>
+        <p:spPr>
+          <a:xfrm>
+            <a:off x="1543334" y="715369"/>
+            <a:ext cx="143301" cy="820004"/>
+          </a:xfrm>
+          <a:prstGeom prst="rect">
+            <a:avLst/>
+          </a:prstGeom>
+        </p:spPr>
+        <p:style>
+          <a:lnRef idx="2">
+            <a:schemeClr val="dk1"/>
+          </a:lnRef>
+          <a:fillRef idx="1">
+            <a:schemeClr val="lt1"/>
+          </a:fillRef>
+          <a:effectRef idx="0">
+            <a:schemeClr val="dk1"/>
+          </a:effectRef>
+          <a:fontRef idx="minor">
+            <a:schemeClr val="dk1"/>
+          </a:fontRef>
+        </p:style>
+        <p:txBody>
+          <a:bodyPr rtlCol="0" anchor="ctr"/>
+          <a:lstStyle/>
+          <a:p>
+            <a:pPr algn="ctr"/>
+            <a:endParaRPr lang="zh-CN" altLang="en-US" dirty="0"/>
+          </a:p>
+        </p:txBody>
+      </p:sp>
+      <p:sp>
+        <p:nvSpPr>
+          <p:cNvPr id="21" name="矩形 20">
+            <a:extLst>
+              <a:ext uri="{FF2B5EF4-FFF2-40B4-BE49-F238E27FC236}">
+                <a16:creationId xmlns:a16="http://schemas.microsoft.com/office/drawing/2014/main" id="{6F864260-C5B0-4167-A8E8-34607E8DC3C8}"/>
+              </a:ext>
+            </a:extLst>
+          </p:cNvPr>
+          <p:cNvSpPr/>
+          <p:nvPr/>
+        </p:nvSpPr>
+        <p:spPr>
+          <a:xfrm>
+            <a:off x="1749187" y="887104"/>
+            <a:ext cx="143301" cy="648269"/>
+          </a:xfrm>
+          <a:prstGeom prst="rect">
+            <a:avLst/>
+          </a:prstGeom>
+        </p:spPr>
+        <p:style>
+          <a:lnRef idx="2">
+            <a:schemeClr val="dk1"/>
+          </a:lnRef>
+          <a:fillRef idx="1">
+            <a:schemeClr val="lt1"/>
+          </a:fillRef>
+          <a:effectRef idx="0">
+            <a:schemeClr val="dk1"/>
+          </a:effectRef>
+          <a:fontRef idx="minor">
+            <a:schemeClr val="dk1"/>
+          </a:fontRef>
+        </p:style>
+        <p:txBody>
+          <a:bodyPr rtlCol="0" anchor="ctr"/>
+          <a:lstStyle/>
+          <a:p>
+            <a:pPr algn="ctr"/>
+            <a:endParaRPr lang="zh-CN" altLang="en-US" dirty="0"/>
+          </a:p>
+        </p:txBody>
+      </p:sp>
+      <p:sp>
+        <p:nvSpPr>
+          <p:cNvPr id="22" name="矩形 21">
+            <a:extLst>
+              <a:ext uri="{FF2B5EF4-FFF2-40B4-BE49-F238E27FC236}">
+                <a16:creationId xmlns:a16="http://schemas.microsoft.com/office/drawing/2014/main" id="{8D06F1BB-875C-4177-835D-5DEFE4B872D5}"/>
+              </a:ext>
+            </a:extLst>
+          </p:cNvPr>
+          <p:cNvSpPr/>
+          <p:nvPr/>
+        </p:nvSpPr>
+        <p:spPr>
+          <a:xfrm>
+            <a:off x="1955040" y="818865"/>
+            <a:ext cx="143301" cy="716508"/>
+          </a:xfrm>
+          <a:prstGeom prst="rect">
+            <a:avLst/>
+          </a:prstGeom>
+        </p:spPr>
+        <p:style>
+          <a:lnRef idx="2">
+            <a:schemeClr val="dk1"/>
+          </a:lnRef>
+          <a:fillRef idx="1">
+            <a:schemeClr val="lt1"/>
+          </a:fillRef>
+          <a:effectRef idx="0">
+            <a:schemeClr val="dk1"/>
+          </a:effectRef>
+          <a:fontRef idx="minor">
+            <a:schemeClr val="dk1"/>
+          </a:fontRef>
+        </p:style>
+        <p:txBody>
+          <a:bodyPr rtlCol="0" anchor="ctr"/>
+          <a:lstStyle/>
+          <a:p>
+            <a:pPr algn="ctr"/>
+            <a:endParaRPr lang="zh-CN" altLang="en-US" dirty="0"/>
+          </a:p>
+        </p:txBody>
+      </p:sp>
+      <p:sp>
+        <p:nvSpPr>
+          <p:cNvPr id="23" name="矩形 22">
+            <a:extLst>
+              <a:ext uri="{FF2B5EF4-FFF2-40B4-BE49-F238E27FC236}">
+                <a16:creationId xmlns:a16="http://schemas.microsoft.com/office/drawing/2014/main" id="{E8C822FD-1CC2-4609-8009-9C3D419381C3}"/>
+              </a:ext>
+            </a:extLst>
+          </p:cNvPr>
+          <p:cNvSpPr/>
+          <p:nvPr/>
+        </p:nvSpPr>
+        <p:spPr>
+          <a:xfrm>
+            <a:off x="1126511" y="1001972"/>
+            <a:ext cx="143301" cy="533401"/>
+          </a:xfrm>
+          <a:prstGeom prst="rect">
+            <a:avLst/>
+          </a:prstGeom>
+        </p:spPr>
+        <p:style>
+          <a:lnRef idx="2">
+            <a:schemeClr val="dk1"/>
+          </a:lnRef>
+          <a:fillRef idx="1">
+            <a:schemeClr val="lt1"/>
+          </a:fillRef>
+          <a:effectRef idx="0">
+            <a:schemeClr val="dk1"/>
+          </a:effectRef>
+          <a:fontRef idx="minor">
+            <a:schemeClr val="dk1"/>
+          </a:fontRef>
+        </p:style>
+        <p:txBody>
+          <a:bodyPr rtlCol="0" anchor="ctr"/>
+          <a:lstStyle/>
+          <a:p>
+            <a:pPr algn="ctr"/>
+            <a:endParaRPr lang="zh-CN" altLang="en-US" dirty="0"/>
+          </a:p>
+        </p:txBody>
+      </p:sp>
       <p:cxnSp>
         <p:nvCxnSpPr>
-          <p:cNvPr id="3" name="直接连接符 2">
-            <a:extLst>
-              <a:ext uri="{FF2B5EF4-FFF2-40B4-BE49-F238E27FC236}">
-                <a16:creationId xmlns:a16="http://schemas.microsoft.com/office/drawing/2014/main" id="{67AB3D0F-651E-4587-B5FB-EF49BA2DA761}"/>
+          <p:cNvPr id="25" name="直接连接符 24">
+            <a:extLst>
+              <a:ext uri="{FF2B5EF4-FFF2-40B4-BE49-F238E27FC236}">
+                <a16:creationId xmlns:a16="http://schemas.microsoft.com/office/drawing/2014/main" id="{FD9BAEDE-6DAA-4CA0-A44C-EC1578CA946A}"/>
+              </a:ext>
+            </a:extLst>
+          </p:cNvPr>
+          <p:cNvCxnSpPr>
+            <a:cxnSpLocks/>
+          </p:cNvCxnSpPr>
+          <p:nvPr/>
+        </p:nvCxnSpPr>
+        <p:spPr>
+          <a:xfrm flipH="1" flipV="1">
+            <a:off x="5712846" y="2812523"/>
+            <a:ext cx="1" cy="1053171"/>
+          </a:xfrm>
+          <a:prstGeom prst="line">
+            <a:avLst/>
+          </a:prstGeom>
+          <a:ln w="25400"/>
+        </p:spPr>
+        <p:style>
+          <a:lnRef idx="2">
+            <a:schemeClr val="dk1"/>
+          </a:lnRef>
+          <a:fillRef idx="1">
+            <a:schemeClr val="lt1"/>
+          </a:fillRef>
+          <a:effectRef idx="0">
+            <a:schemeClr val="dk1"/>
+          </a:effectRef>
+          <a:fontRef idx="minor">
+            <a:schemeClr val="dk1"/>
+          </a:fontRef>
+        </p:style>
+      </p:cxnSp>
+      <p:sp>
+        <p:nvSpPr>
+          <p:cNvPr id="27" name="矩形 26">
+            <a:extLst>
+              <a:ext uri="{FF2B5EF4-FFF2-40B4-BE49-F238E27FC236}">
+                <a16:creationId xmlns:a16="http://schemas.microsoft.com/office/drawing/2014/main" id="{E6576CCA-BEF9-41DD-9C72-4550259E9104}"/>
+              </a:ext>
+            </a:extLst>
+          </p:cNvPr>
+          <p:cNvSpPr/>
+          <p:nvPr/>
+        </p:nvSpPr>
+        <p:spPr>
+          <a:xfrm rot="16200000">
+            <a:off x="5921994" y="3407373"/>
+            <a:ext cx="236675" cy="557112"/>
+          </a:xfrm>
+          <a:prstGeom prst="rect">
+            <a:avLst/>
+          </a:prstGeom>
+          <a:ln w="25400"/>
+        </p:spPr>
+        <p:style>
+          <a:lnRef idx="2">
+            <a:schemeClr val="dk1"/>
+          </a:lnRef>
+          <a:fillRef idx="1">
+            <a:schemeClr val="lt1"/>
+          </a:fillRef>
+          <a:effectRef idx="0">
+            <a:schemeClr val="dk1"/>
+          </a:effectRef>
+          <a:fontRef idx="minor">
+            <a:schemeClr val="dk1"/>
+          </a:fontRef>
+        </p:style>
+        <p:txBody>
+          <a:bodyPr rtlCol="0" anchor="ctr"/>
+          <a:lstStyle/>
+          <a:p>
+            <a:pPr algn="ctr"/>
+            <a:endParaRPr lang="zh-CN" altLang="en-US"/>
+          </a:p>
+        </p:txBody>
+      </p:sp>
+      <p:cxnSp>
+        <p:nvCxnSpPr>
+          <p:cNvPr id="33" name="直接连接符 32">
+            <a:extLst>
+              <a:ext uri="{FF2B5EF4-FFF2-40B4-BE49-F238E27FC236}">
+                <a16:creationId xmlns:a16="http://schemas.microsoft.com/office/drawing/2014/main" id="{268E0A0D-64E8-434F-999C-1A71925CBCCF}"/>
+              </a:ext>
+            </a:extLst>
+          </p:cNvPr>
+          <p:cNvCxnSpPr>
+            <a:cxnSpLocks/>
+          </p:cNvCxnSpPr>
+          <p:nvPr/>
+        </p:nvCxnSpPr>
+        <p:spPr>
+          <a:xfrm flipH="1">
+            <a:off x="5705473" y="3854304"/>
+            <a:ext cx="679371" cy="1"/>
+          </a:xfrm>
+          <a:prstGeom prst="line">
+            <a:avLst/>
+          </a:prstGeom>
+          <a:ln w="25400"/>
+        </p:spPr>
+        <p:style>
+          <a:lnRef idx="2">
+            <a:schemeClr val="dk1"/>
+          </a:lnRef>
+          <a:fillRef idx="1">
+            <a:schemeClr val="lt1"/>
+          </a:fillRef>
+          <a:effectRef idx="0">
+            <a:schemeClr val="dk1"/>
+          </a:effectRef>
+          <a:fontRef idx="minor">
+            <a:schemeClr val="dk1"/>
+          </a:fontRef>
+        </p:style>
+      </p:cxnSp>
+      <p:sp>
+        <p:nvSpPr>
+          <p:cNvPr id="38" name="矩形 37">
+            <a:extLst>
+              <a:ext uri="{FF2B5EF4-FFF2-40B4-BE49-F238E27FC236}">
+                <a16:creationId xmlns:a16="http://schemas.microsoft.com/office/drawing/2014/main" id="{C40904DE-10E0-4D36-B9C1-E1093BED8154}"/>
+              </a:ext>
+            </a:extLst>
+          </p:cNvPr>
+          <p:cNvSpPr/>
+          <p:nvPr/>
+        </p:nvSpPr>
+        <p:spPr>
+          <a:xfrm rot="16200000">
+            <a:off x="5921445" y="3120659"/>
+            <a:ext cx="236675" cy="557112"/>
+          </a:xfrm>
+          <a:prstGeom prst="rect">
+            <a:avLst/>
+          </a:prstGeom>
+          <a:ln w="25400"/>
+        </p:spPr>
+        <p:style>
+          <a:lnRef idx="2">
+            <a:schemeClr val="dk1"/>
+          </a:lnRef>
+          <a:fillRef idx="1">
+            <a:schemeClr val="lt1"/>
+          </a:fillRef>
+          <a:effectRef idx="0">
+            <a:schemeClr val="dk1"/>
+          </a:effectRef>
+          <a:fontRef idx="minor">
+            <a:schemeClr val="dk1"/>
+          </a:fontRef>
+        </p:style>
+        <p:txBody>
+          <a:bodyPr rtlCol="0" anchor="ctr"/>
+          <a:lstStyle/>
+          <a:p>
+            <a:pPr algn="ctr"/>
+            <a:endParaRPr lang="zh-CN" altLang="en-US"/>
+          </a:p>
+        </p:txBody>
+      </p:sp>
+      <p:sp>
+        <p:nvSpPr>
+          <p:cNvPr id="39" name="矩形 38">
+            <a:extLst>
+              <a:ext uri="{FF2B5EF4-FFF2-40B4-BE49-F238E27FC236}">
+                <a16:creationId xmlns:a16="http://schemas.microsoft.com/office/drawing/2014/main" id="{4E672307-81D9-4EB8-8019-122810649FA9}"/>
+              </a:ext>
+            </a:extLst>
+          </p:cNvPr>
+          <p:cNvSpPr/>
+          <p:nvPr/>
+        </p:nvSpPr>
+        <p:spPr>
+          <a:xfrm rot="16200000">
+            <a:off x="5923125" y="2828817"/>
+            <a:ext cx="236675" cy="557112"/>
+          </a:xfrm>
+          <a:prstGeom prst="rect">
+            <a:avLst/>
+          </a:prstGeom>
+          <a:ln w="25400"/>
+        </p:spPr>
+        <p:style>
+          <a:lnRef idx="2">
+            <a:schemeClr val="dk1"/>
+          </a:lnRef>
+          <a:fillRef idx="1">
+            <a:schemeClr val="lt1"/>
+          </a:fillRef>
+          <a:effectRef idx="0">
+            <a:schemeClr val="dk1"/>
+          </a:effectRef>
+          <a:fontRef idx="minor">
+            <a:schemeClr val="dk1"/>
+          </a:fontRef>
+        </p:style>
+        <p:txBody>
+          <a:bodyPr rtlCol="0" anchor="ctr"/>
+          <a:lstStyle/>
+          <a:p>
+            <a:pPr algn="ctr"/>
+            <a:endParaRPr lang="zh-CN" altLang="en-US"/>
+          </a:p>
+        </p:txBody>
+      </p:sp>
+      <p:cxnSp>
+        <p:nvCxnSpPr>
+          <p:cNvPr id="43" name="直接连接符 42">
+            <a:extLst>
+              <a:ext uri="{FF2B5EF4-FFF2-40B4-BE49-F238E27FC236}">
+                <a16:creationId xmlns:a16="http://schemas.microsoft.com/office/drawing/2014/main" id="{DE4FEF4D-848D-4E37-9C67-1C52D73628B1}"/>
+              </a:ext>
+            </a:extLst>
+          </p:cNvPr>
+          <p:cNvCxnSpPr>
+            <a:cxnSpLocks/>
+          </p:cNvCxnSpPr>
+          <p:nvPr/>
+        </p:nvCxnSpPr>
+        <p:spPr>
+          <a:xfrm flipH="1" flipV="1">
+            <a:off x="6379793" y="2812526"/>
+            <a:ext cx="1" cy="1053171"/>
+          </a:xfrm>
+          <a:prstGeom prst="line">
+            <a:avLst/>
+          </a:prstGeom>
+          <a:ln w="25400"/>
+        </p:spPr>
+        <p:style>
+          <a:lnRef idx="2">
+            <a:schemeClr val="dk1"/>
+          </a:lnRef>
+          <a:fillRef idx="1">
+            <a:schemeClr val="lt1"/>
+          </a:fillRef>
+          <a:effectRef idx="0">
+            <a:schemeClr val="dk1"/>
+          </a:effectRef>
+          <a:fontRef idx="minor">
+            <a:schemeClr val="dk1"/>
+          </a:fontRef>
+        </p:style>
+      </p:cxnSp>
+      <p:cxnSp>
+        <p:nvCxnSpPr>
+          <p:cNvPr id="45" name="连接符: 曲线 44">
+            <a:extLst>
+              <a:ext uri="{FF2B5EF4-FFF2-40B4-BE49-F238E27FC236}">
+                <a16:creationId xmlns:a16="http://schemas.microsoft.com/office/drawing/2014/main" id="{8FC765F9-8DE9-413A-A94E-006DAF0664B0}"/>
               </a:ext>
             </a:extLst>
           </p:cNvPr>
@@ -3935,8 +4808,989 @@
         </p:nvCxnSpPr>
         <p:spPr>
           <a:xfrm>
-            <a:off x="3240233" y="4316506"/>
-            <a:ext cx="1673548" cy="0"/>
+            <a:off x="5575988" y="2702559"/>
+            <a:ext cx="390718" cy="200118"/>
+          </a:xfrm>
+          <a:prstGeom prst="curvedConnector3">
+            <a:avLst>
+              <a:gd name="adj1" fmla="val 99406"/>
+            </a:avLst>
+          </a:prstGeom>
+          <a:ln>
+            <a:prstDash val="dash"/>
+            <a:tailEnd type="stealth"/>
+          </a:ln>
+        </p:spPr>
+        <p:style>
+          <a:lnRef idx="2">
+            <a:schemeClr val="dk1"/>
+          </a:lnRef>
+          <a:fillRef idx="0">
+            <a:schemeClr val="dk1"/>
+          </a:fillRef>
+          <a:effectRef idx="1">
+            <a:schemeClr val="dk1"/>
+          </a:effectRef>
+          <a:fontRef idx="minor">
+            <a:schemeClr val="tx1"/>
+          </a:fontRef>
+        </p:style>
+      </p:cxnSp>
+      <p:cxnSp>
+        <p:nvCxnSpPr>
+          <p:cNvPr id="51" name="连接符: 曲线 50">
+            <a:extLst>
+              <a:ext uri="{FF2B5EF4-FFF2-40B4-BE49-F238E27FC236}">
+                <a16:creationId xmlns:a16="http://schemas.microsoft.com/office/drawing/2014/main" id="{94BCFC8C-F197-494E-886B-8A41316D4650}"/>
+              </a:ext>
+            </a:extLst>
+          </p:cNvPr>
+          <p:cNvCxnSpPr>
+            <a:cxnSpLocks/>
+          </p:cNvCxnSpPr>
+          <p:nvPr/>
+        </p:nvCxnSpPr>
+        <p:spPr>
+          <a:xfrm flipV="1">
+            <a:off x="6129020" y="2708150"/>
+            <a:ext cx="368300" cy="189704"/>
+          </a:xfrm>
+          <a:prstGeom prst="curvedConnector3">
+            <a:avLst>
+              <a:gd name="adj1" fmla="val -345"/>
+            </a:avLst>
+          </a:prstGeom>
+          <a:ln>
+            <a:prstDash val="dash"/>
+            <a:tailEnd type="stealth"/>
+          </a:ln>
+        </p:spPr>
+        <p:style>
+          <a:lnRef idx="2">
+            <a:schemeClr val="dk1"/>
+          </a:lnRef>
+          <a:fillRef idx="0">
+            <a:schemeClr val="dk1"/>
+          </a:fillRef>
+          <a:effectRef idx="1">
+            <a:schemeClr val="dk1"/>
+          </a:effectRef>
+          <a:fontRef idx="minor">
+            <a:schemeClr val="tx1"/>
+          </a:fontRef>
+        </p:style>
+      </p:cxnSp>
+    </p:spTree>
+    <p:extLst>
+      <p:ext uri="{BB962C8B-B14F-4D97-AF65-F5344CB8AC3E}">
+        <p14:creationId xmlns:p14="http://schemas.microsoft.com/office/powerpoint/2010/main" val="1644494076"/>
+      </p:ext>
+    </p:extLst>
+  </p:cSld>
+  <p:clrMapOvr>
+    <a:masterClrMapping/>
+  </p:clrMapOvr>
+</p:sld>
+</file>
+
+<file path=ppt/slides/slide2.xml><?xml version="1.0" encoding="utf-8"?>
+<p:sld xmlns:a="http://schemas.openxmlformats.org/drawingml/2006/main" xmlns:r="http://schemas.openxmlformats.org/officeDocument/2006/relationships" xmlns:p="http://schemas.openxmlformats.org/presentationml/2006/main">
+  <p:cSld>
+    <p:spTree>
+      <p:nvGrpSpPr>
+        <p:cNvPr id="1" name=""/>
+        <p:cNvGrpSpPr/>
+        <p:nvPr/>
+      </p:nvGrpSpPr>
+      <p:grpSpPr>
+        <a:xfrm>
+          <a:off x="0" y="0"/>
+          <a:ext cx="0" cy="0"/>
+          <a:chOff x="0" y="0"/>
+          <a:chExt cx="0" cy="0"/>
+        </a:xfrm>
+      </p:grpSpPr>
+      <p:sp>
+        <p:nvSpPr>
+          <p:cNvPr id="19" name="矩形 18">
+            <a:extLst>
+              <a:ext uri="{FF2B5EF4-FFF2-40B4-BE49-F238E27FC236}">
+                <a16:creationId xmlns:a16="http://schemas.microsoft.com/office/drawing/2014/main" id="{797420EA-CCB2-40E4-932A-313A3A0C997D}"/>
+              </a:ext>
+            </a:extLst>
+          </p:cNvPr>
+          <p:cNvSpPr/>
+          <p:nvPr/>
+        </p:nvSpPr>
+        <p:spPr>
+          <a:xfrm>
+            <a:off x="1337481" y="887104"/>
+            <a:ext cx="143301" cy="648269"/>
+          </a:xfrm>
+          <a:prstGeom prst="rect">
+            <a:avLst/>
+          </a:prstGeom>
+        </p:spPr>
+        <p:style>
+          <a:lnRef idx="2">
+            <a:schemeClr val="dk1"/>
+          </a:lnRef>
+          <a:fillRef idx="1">
+            <a:schemeClr val="lt1"/>
+          </a:fillRef>
+          <a:effectRef idx="0">
+            <a:schemeClr val="dk1"/>
+          </a:effectRef>
+          <a:fontRef idx="minor">
+            <a:schemeClr val="dk1"/>
+          </a:fontRef>
+        </p:style>
+        <p:txBody>
+          <a:bodyPr rtlCol="0" anchor="ctr"/>
+          <a:lstStyle/>
+          <a:p>
+            <a:pPr algn="ctr"/>
+            <a:endParaRPr lang="zh-CN" altLang="en-US" dirty="0"/>
+          </a:p>
+        </p:txBody>
+      </p:sp>
+      <p:sp>
+        <p:nvSpPr>
+          <p:cNvPr id="20" name="矩形 19">
+            <a:extLst>
+              <a:ext uri="{FF2B5EF4-FFF2-40B4-BE49-F238E27FC236}">
+                <a16:creationId xmlns:a16="http://schemas.microsoft.com/office/drawing/2014/main" id="{AC5224BF-96FC-4FD5-AF27-DA327D662E72}"/>
+              </a:ext>
+            </a:extLst>
+          </p:cNvPr>
+          <p:cNvSpPr/>
+          <p:nvPr/>
+        </p:nvSpPr>
+        <p:spPr>
+          <a:xfrm>
+            <a:off x="1543334" y="715369"/>
+            <a:ext cx="143301" cy="820004"/>
+          </a:xfrm>
+          <a:prstGeom prst="rect">
+            <a:avLst/>
+          </a:prstGeom>
+        </p:spPr>
+        <p:style>
+          <a:lnRef idx="2">
+            <a:schemeClr val="dk1"/>
+          </a:lnRef>
+          <a:fillRef idx="1">
+            <a:schemeClr val="lt1"/>
+          </a:fillRef>
+          <a:effectRef idx="0">
+            <a:schemeClr val="dk1"/>
+          </a:effectRef>
+          <a:fontRef idx="minor">
+            <a:schemeClr val="dk1"/>
+          </a:fontRef>
+        </p:style>
+        <p:txBody>
+          <a:bodyPr rtlCol="0" anchor="ctr"/>
+          <a:lstStyle/>
+          <a:p>
+            <a:pPr algn="ctr"/>
+            <a:endParaRPr lang="zh-CN" altLang="en-US" dirty="0"/>
+          </a:p>
+        </p:txBody>
+      </p:sp>
+      <p:sp>
+        <p:nvSpPr>
+          <p:cNvPr id="21" name="矩形 20">
+            <a:extLst>
+              <a:ext uri="{FF2B5EF4-FFF2-40B4-BE49-F238E27FC236}">
+                <a16:creationId xmlns:a16="http://schemas.microsoft.com/office/drawing/2014/main" id="{6F864260-C5B0-4167-A8E8-34607E8DC3C8}"/>
+              </a:ext>
+            </a:extLst>
+          </p:cNvPr>
+          <p:cNvSpPr/>
+          <p:nvPr/>
+        </p:nvSpPr>
+        <p:spPr>
+          <a:xfrm>
+            <a:off x="1749187" y="887104"/>
+            <a:ext cx="143301" cy="648269"/>
+          </a:xfrm>
+          <a:prstGeom prst="rect">
+            <a:avLst/>
+          </a:prstGeom>
+        </p:spPr>
+        <p:style>
+          <a:lnRef idx="2">
+            <a:schemeClr val="dk1"/>
+          </a:lnRef>
+          <a:fillRef idx="1">
+            <a:schemeClr val="lt1"/>
+          </a:fillRef>
+          <a:effectRef idx="0">
+            <a:schemeClr val="dk1"/>
+          </a:effectRef>
+          <a:fontRef idx="minor">
+            <a:schemeClr val="dk1"/>
+          </a:fontRef>
+        </p:style>
+        <p:txBody>
+          <a:bodyPr rtlCol="0" anchor="ctr"/>
+          <a:lstStyle/>
+          <a:p>
+            <a:pPr algn="ctr"/>
+            <a:endParaRPr lang="zh-CN" altLang="en-US" dirty="0"/>
+          </a:p>
+        </p:txBody>
+      </p:sp>
+      <p:sp>
+        <p:nvSpPr>
+          <p:cNvPr id="22" name="矩形 21">
+            <a:extLst>
+              <a:ext uri="{FF2B5EF4-FFF2-40B4-BE49-F238E27FC236}">
+                <a16:creationId xmlns:a16="http://schemas.microsoft.com/office/drawing/2014/main" id="{8D06F1BB-875C-4177-835D-5DEFE4B872D5}"/>
+              </a:ext>
+            </a:extLst>
+          </p:cNvPr>
+          <p:cNvSpPr/>
+          <p:nvPr/>
+        </p:nvSpPr>
+        <p:spPr>
+          <a:xfrm>
+            <a:off x="1955040" y="818865"/>
+            <a:ext cx="143301" cy="716508"/>
+          </a:xfrm>
+          <a:prstGeom prst="rect">
+            <a:avLst/>
+          </a:prstGeom>
+        </p:spPr>
+        <p:style>
+          <a:lnRef idx="2">
+            <a:schemeClr val="dk1"/>
+          </a:lnRef>
+          <a:fillRef idx="1">
+            <a:schemeClr val="lt1"/>
+          </a:fillRef>
+          <a:effectRef idx="0">
+            <a:schemeClr val="dk1"/>
+          </a:effectRef>
+          <a:fontRef idx="minor">
+            <a:schemeClr val="dk1"/>
+          </a:fontRef>
+        </p:style>
+        <p:txBody>
+          <a:bodyPr rtlCol="0" anchor="ctr"/>
+          <a:lstStyle/>
+          <a:p>
+            <a:pPr algn="ctr"/>
+            <a:endParaRPr lang="zh-CN" altLang="en-US" dirty="0"/>
+          </a:p>
+        </p:txBody>
+      </p:sp>
+      <p:sp>
+        <p:nvSpPr>
+          <p:cNvPr id="23" name="矩形 22">
+            <a:extLst>
+              <a:ext uri="{FF2B5EF4-FFF2-40B4-BE49-F238E27FC236}">
+                <a16:creationId xmlns:a16="http://schemas.microsoft.com/office/drawing/2014/main" id="{E8C822FD-1CC2-4609-8009-9C3D419381C3}"/>
+              </a:ext>
+            </a:extLst>
+          </p:cNvPr>
+          <p:cNvSpPr/>
+          <p:nvPr/>
+        </p:nvSpPr>
+        <p:spPr>
+          <a:xfrm>
+            <a:off x="1126511" y="1001972"/>
+            <a:ext cx="143301" cy="533401"/>
+          </a:xfrm>
+          <a:prstGeom prst="rect">
+            <a:avLst/>
+          </a:prstGeom>
+        </p:spPr>
+        <p:style>
+          <a:lnRef idx="2">
+            <a:schemeClr val="dk1"/>
+          </a:lnRef>
+          <a:fillRef idx="1">
+            <a:schemeClr val="lt1"/>
+          </a:fillRef>
+          <a:effectRef idx="0">
+            <a:schemeClr val="dk1"/>
+          </a:effectRef>
+          <a:fontRef idx="minor">
+            <a:schemeClr val="dk1"/>
+          </a:fontRef>
+        </p:style>
+        <p:txBody>
+          <a:bodyPr rtlCol="0" anchor="ctr"/>
+          <a:lstStyle/>
+          <a:p>
+            <a:pPr algn="ctr"/>
+            <a:endParaRPr lang="zh-CN" altLang="en-US" dirty="0"/>
+          </a:p>
+        </p:txBody>
+      </p:sp>
+      <p:grpSp>
+        <p:nvGrpSpPr>
+          <p:cNvPr id="65" name="组合 64">
+            <a:extLst>
+              <a:ext uri="{FF2B5EF4-FFF2-40B4-BE49-F238E27FC236}">
+                <a16:creationId xmlns:a16="http://schemas.microsoft.com/office/drawing/2014/main" id="{8680C331-20A4-4F25-823D-04C1F2B29E39}"/>
+              </a:ext>
+            </a:extLst>
+          </p:cNvPr>
+          <p:cNvGrpSpPr/>
+          <p:nvPr/>
+        </p:nvGrpSpPr>
+        <p:grpSpPr>
+          <a:xfrm>
+            <a:off x="1480782" y="4296098"/>
+            <a:ext cx="1423442" cy="312318"/>
+            <a:chOff x="3306092" y="3287806"/>
+            <a:chExt cx="1423442" cy="575984"/>
+          </a:xfrm>
+        </p:grpSpPr>
+        <p:cxnSp>
+          <p:nvCxnSpPr>
+            <p:cNvPr id="3" name="直接连接符 2">
+              <a:extLst>
+                <a:ext uri="{FF2B5EF4-FFF2-40B4-BE49-F238E27FC236}">
+                  <a16:creationId xmlns:a16="http://schemas.microsoft.com/office/drawing/2014/main" id="{67AB3D0F-651E-4587-B5FB-EF49BA2DA761}"/>
+                </a:ext>
+              </a:extLst>
+            </p:cNvPr>
+            <p:cNvCxnSpPr>
+              <a:cxnSpLocks/>
+            </p:cNvCxnSpPr>
+            <p:nvPr/>
+          </p:nvCxnSpPr>
+          <p:spPr>
+            <a:xfrm>
+              <a:off x="3306092" y="3287806"/>
+              <a:ext cx="1423442" cy="0"/>
+            </a:xfrm>
+            <a:prstGeom prst="line">
+              <a:avLst/>
+            </a:prstGeom>
+            <a:ln w="25400"/>
+          </p:spPr>
+          <p:style>
+            <a:lnRef idx="2">
+              <a:schemeClr val="dk1"/>
+            </a:lnRef>
+            <a:fillRef idx="1">
+              <a:schemeClr val="lt1"/>
+            </a:fillRef>
+            <a:effectRef idx="0">
+              <a:schemeClr val="dk1"/>
+            </a:effectRef>
+            <a:fontRef idx="minor">
+              <a:schemeClr val="dk1"/>
+            </a:fontRef>
+          </p:style>
+        </p:cxnSp>
+        <p:cxnSp>
+          <p:nvCxnSpPr>
+            <p:cNvPr id="7" name="直接连接符 6">
+              <a:extLst>
+                <a:ext uri="{FF2B5EF4-FFF2-40B4-BE49-F238E27FC236}">
+                  <a16:creationId xmlns:a16="http://schemas.microsoft.com/office/drawing/2014/main" id="{E87B83AE-E287-4F25-A74D-D96772251A8A}"/>
+                </a:ext>
+              </a:extLst>
+            </p:cNvPr>
+            <p:cNvCxnSpPr>
+              <a:cxnSpLocks/>
+            </p:cNvCxnSpPr>
+            <p:nvPr/>
+          </p:nvCxnSpPr>
+          <p:spPr>
+            <a:xfrm>
+              <a:off x="3306092" y="3863790"/>
+              <a:ext cx="1423442" cy="0"/>
+            </a:xfrm>
+            <a:prstGeom prst="line">
+              <a:avLst/>
+            </a:prstGeom>
+            <a:ln w="25400"/>
+          </p:spPr>
+          <p:style>
+            <a:lnRef idx="2">
+              <a:schemeClr val="dk1"/>
+            </a:lnRef>
+            <a:fillRef idx="1">
+              <a:schemeClr val="lt1"/>
+            </a:fillRef>
+            <a:effectRef idx="0">
+              <a:schemeClr val="dk1"/>
+            </a:effectRef>
+            <a:fontRef idx="minor">
+              <a:schemeClr val="dk1"/>
+            </a:fontRef>
+          </p:style>
+        </p:cxnSp>
+        <p:sp>
+          <p:nvSpPr>
+            <p:cNvPr id="10" name="矩形 9">
+              <a:extLst>
+                <a:ext uri="{FF2B5EF4-FFF2-40B4-BE49-F238E27FC236}">
+                  <a16:creationId xmlns:a16="http://schemas.microsoft.com/office/drawing/2014/main" id="{49A0E667-B5A1-4D7A-A1AA-A72DF5910229}"/>
+                </a:ext>
+              </a:extLst>
+            </p:cNvPr>
+            <p:cNvSpPr/>
+            <p:nvPr/>
+          </p:nvSpPr>
+          <p:spPr>
+            <a:xfrm>
+              <a:off x="3359145" y="3356396"/>
+              <a:ext cx="180884" cy="437027"/>
+            </a:xfrm>
+            <a:prstGeom prst="rect">
+              <a:avLst/>
+            </a:prstGeom>
+            <a:ln w="25400"/>
+          </p:spPr>
+          <p:style>
+            <a:lnRef idx="2">
+              <a:schemeClr val="dk1"/>
+            </a:lnRef>
+            <a:fillRef idx="1">
+              <a:schemeClr val="lt1"/>
+            </a:fillRef>
+            <a:effectRef idx="0">
+              <a:schemeClr val="dk1"/>
+            </a:effectRef>
+            <a:fontRef idx="minor">
+              <a:schemeClr val="dk1"/>
+            </a:fontRef>
+          </p:style>
+          <p:txBody>
+            <a:bodyPr rtlCol="0" anchor="ctr"/>
+            <a:lstStyle/>
+            <a:p>
+              <a:pPr algn="ctr"/>
+              <a:endParaRPr lang="zh-CN" altLang="en-US"/>
+            </a:p>
+          </p:txBody>
+        </p:sp>
+        <p:sp>
+          <p:nvSpPr>
+            <p:cNvPr id="26" name="矩形 25">
+              <a:extLst>
+                <a:ext uri="{FF2B5EF4-FFF2-40B4-BE49-F238E27FC236}">
+                  <a16:creationId xmlns:a16="http://schemas.microsoft.com/office/drawing/2014/main" id="{E6F5C6A5-C6D6-4113-ACD2-2683D3F33F6A}"/>
+                </a:ext>
+              </a:extLst>
+            </p:cNvPr>
+            <p:cNvSpPr/>
+            <p:nvPr/>
+          </p:nvSpPr>
+          <p:spPr>
+            <a:xfrm>
+              <a:off x="3927581" y="3351679"/>
+              <a:ext cx="180884" cy="437027"/>
+            </a:xfrm>
+            <a:prstGeom prst="rect">
+              <a:avLst/>
+            </a:prstGeom>
+            <a:ln w="25400"/>
+          </p:spPr>
+          <p:style>
+            <a:lnRef idx="2">
+              <a:schemeClr val="dk1"/>
+            </a:lnRef>
+            <a:fillRef idx="1">
+              <a:schemeClr val="lt1"/>
+            </a:fillRef>
+            <a:effectRef idx="0">
+              <a:schemeClr val="dk1"/>
+            </a:effectRef>
+            <a:fontRef idx="minor">
+              <a:schemeClr val="dk1"/>
+            </a:fontRef>
+          </p:style>
+          <p:txBody>
+            <a:bodyPr rtlCol="0" anchor="ctr"/>
+            <a:lstStyle/>
+            <a:p>
+              <a:pPr algn="ctr"/>
+              <a:endParaRPr lang="zh-CN" altLang="en-US"/>
+            </a:p>
+          </p:txBody>
+        </p:sp>
+        <p:sp>
+          <p:nvSpPr>
+            <p:cNvPr id="28" name="矩形 27">
+              <a:extLst>
+                <a:ext uri="{FF2B5EF4-FFF2-40B4-BE49-F238E27FC236}">
+                  <a16:creationId xmlns:a16="http://schemas.microsoft.com/office/drawing/2014/main" id="{58809BEC-58F5-4B2A-9057-686E2F15DF6D}"/>
+                </a:ext>
+              </a:extLst>
+            </p:cNvPr>
+            <p:cNvSpPr/>
+            <p:nvPr/>
+          </p:nvSpPr>
+          <p:spPr>
+            <a:xfrm>
+              <a:off x="4208788" y="3351679"/>
+              <a:ext cx="180884" cy="437027"/>
+            </a:xfrm>
+            <a:prstGeom prst="rect">
+              <a:avLst/>
+            </a:prstGeom>
+            <a:ln w="25400"/>
+          </p:spPr>
+          <p:style>
+            <a:lnRef idx="2">
+              <a:schemeClr val="dk1"/>
+            </a:lnRef>
+            <a:fillRef idx="1">
+              <a:schemeClr val="lt1"/>
+            </a:fillRef>
+            <a:effectRef idx="0">
+              <a:schemeClr val="dk1"/>
+            </a:effectRef>
+            <a:fontRef idx="minor">
+              <a:schemeClr val="dk1"/>
+            </a:fontRef>
+          </p:style>
+          <p:txBody>
+            <a:bodyPr rtlCol="0" anchor="ctr"/>
+            <a:lstStyle/>
+            <a:p>
+              <a:pPr algn="ctr"/>
+              <a:endParaRPr lang="zh-CN" altLang="en-US"/>
+            </a:p>
+          </p:txBody>
+        </p:sp>
+        <p:sp>
+          <p:nvSpPr>
+            <p:cNvPr id="29" name="矩形 28">
+              <a:extLst>
+                <a:ext uri="{FF2B5EF4-FFF2-40B4-BE49-F238E27FC236}">
+                  <a16:creationId xmlns:a16="http://schemas.microsoft.com/office/drawing/2014/main" id="{3F1B2270-2E9C-4551-9C5F-DCCE1F71DF8B}"/>
+                </a:ext>
+              </a:extLst>
+            </p:cNvPr>
+            <p:cNvSpPr/>
+            <p:nvPr/>
+          </p:nvSpPr>
+          <p:spPr>
+            <a:xfrm>
+              <a:off x="4489995" y="3349728"/>
+              <a:ext cx="180884" cy="437027"/>
+            </a:xfrm>
+            <a:prstGeom prst="rect">
+              <a:avLst/>
+            </a:prstGeom>
+            <a:ln w="25400"/>
+          </p:spPr>
+          <p:style>
+            <a:lnRef idx="2">
+              <a:schemeClr val="dk1"/>
+            </a:lnRef>
+            <a:fillRef idx="1">
+              <a:schemeClr val="lt1"/>
+            </a:fillRef>
+            <a:effectRef idx="0">
+              <a:schemeClr val="dk1"/>
+            </a:effectRef>
+            <a:fontRef idx="minor">
+              <a:schemeClr val="dk1"/>
+            </a:fontRef>
+          </p:style>
+          <p:txBody>
+            <a:bodyPr rtlCol="0" anchor="ctr"/>
+            <a:lstStyle/>
+            <a:p>
+              <a:pPr algn="ctr"/>
+              <a:endParaRPr lang="zh-CN" altLang="en-US"/>
+            </a:p>
+          </p:txBody>
+        </p:sp>
+        <p:cxnSp>
+          <p:nvCxnSpPr>
+            <p:cNvPr id="6" name="直接连接符 5">
+              <a:extLst>
+                <a:ext uri="{FF2B5EF4-FFF2-40B4-BE49-F238E27FC236}">
+                  <a16:creationId xmlns:a16="http://schemas.microsoft.com/office/drawing/2014/main" id="{F273692D-8C52-4D4C-BDB5-F6C59B94DC45}"/>
+                </a:ext>
+              </a:extLst>
+            </p:cNvPr>
+            <p:cNvCxnSpPr>
+              <a:cxnSpLocks/>
+            </p:cNvCxnSpPr>
+            <p:nvPr/>
+          </p:nvCxnSpPr>
+          <p:spPr>
+            <a:xfrm>
+              <a:off x="3642360" y="3576686"/>
+              <a:ext cx="157480" cy="0"/>
+            </a:xfrm>
+            <a:prstGeom prst="line">
+              <a:avLst/>
+            </a:prstGeom>
+            <a:ln w="22225">
+              <a:solidFill>
+                <a:schemeClr val="tx1"/>
+              </a:solidFill>
+              <a:prstDash val="sysDot"/>
+            </a:ln>
+          </p:spPr>
+          <p:style>
+            <a:lnRef idx="1">
+              <a:schemeClr val="accent1"/>
+            </a:lnRef>
+            <a:fillRef idx="0">
+              <a:schemeClr val="accent1"/>
+            </a:fillRef>
+            <a:effectRef idx="0">
+              <a:schemeClr val="accent1"/>
+            </a:effectRef>
+            <a:fontRef idx="minor">
+              <a:schemeClr val="tx1"/>
+            </a:fontRef>
+          </p:style>
+        </p:cxnSp>
+      </p:grpSp>
+      <p:cxnSp>
+        <p:nvCxnSpPr>
+          <p:cNvPr id="24" name="连接符: 曲线 23">
+            <a:extLst>
+              <a:ext uri="{FF2B5EF4-FFF2-40B4-BE49-F238E27FC236}">
+                <a16:creationId xmlns:a16="http://schemas.microsoft.com/office/drawing/2014/main" id="{D2BFCA68-4D00-4797-8457-EA63008A3089}"/>
+              </a:ext>
+            </a:extLst>
+          </p:cNvPr>
+          <p:cNvCxnSpPr>
+            <a:cxnSpLocks/>
+          </p:cNvCxnSpPr>
+          <p:nvPr/>
+        </p:nvCxnSpPr>
+        <p:spPr>
+          <a:xfrm>
+            <a:off x="1197589" y="4259336"/>
+            <a:ext cx="232027" cy="193403"/>
+          </a:xfrm>
+          <a:prstGeom prst="curvedConnector3">
+            <a:avLst>
+              <a:gd name="adj1" fmla="val 739"/>
+            </a:avLst>
+          </a:prstGeom>
+          <a:ln w="12700">
+            <a:solidFill>
+              <a:schemeClr val="tx1"/>
+            </a:solidFill>
+            <a:prstDash val="dash"/>
+            <a:tailEnd type="stealth"/>
+          </a:ln>
+        </p:spPr>
+        <p:style>
+          <a:lnRef idx="1">
+            <a:schemeClr val="accent1"/>
+          </a:lnRef>
+          <a:fillRef idx="0">
+            <a:schemeClr val="accent1"/>
+          </a:fillRef>
+          <a:effectRef idx="0">
+            <a:schemeClr val="accent1"/>
+          </a:effectRef>
+          <a:fontRef idx="minor">
+            <a:schemeClr val="tx1"/>
+          </a:fontRef>
+        </p:style>
+      </p:cxnSp>
+      <p:cxnSp>
+        <p:nvCxnSpPr>
+          <p:cNvPr id="40" name="连接符: 曲线 39">
+            <a:extLst>
+              <a:ext uri="{FF2B5EF4-FFF2-40B4-BE49-F238E27FC236}">
+                <a16:creationId xmlns:a16="http://schemas.microsoft.com/office/drawing/2014/main" id="{6A1D9833-6E2C-4EFA-BDB8-01337606B4C2}"/>
+              </a:ext>
+            </a:extLst>
+          </p:cNvPr>
+          <p:cNvCxnSpPr>
+            <a:cxnSpLocks/>
+          </p:cNvCxnSpPr>
+          <p:nvPr/>
+        </p:nvCxnSpPr>
+        <p:spPr>
+          <a:xfrm rot="16200000" flipH="1">
+            <a:off x="2975159" y="4454983"/>
+            <a:ext cx="207162" cy="193043"/>
+          </a:xfrm>
+          <a:prstGeom prst="curvedConnector3">
+            <a:avLst>
+              <a:gd name="adj1" fmla="val -270"/>
+            </a:avLst>
+          </a:prstGeom>
+          <a:ln w="12700">
+            <a:solidFill>
+              <a:schemeClr val="tx1"/>
+            </a:solidFill>
+            <a:prstDash val="dash"/>
+            <a:tailEnd type="stealth"/>
+          </a:ln>
+        </p:spPr>
+        <p:style>
+          <a:lnRef idx="1">
+            <a:schemeClr val="accent1"/>
+          </a:lnRef>
+          <a:fillRef idx="0">
+            <a:schemeClr val="accent1"/>
+          </a:fillRef>
+          <a:effectRef idx="0">
+            <a:schemeClr val="accent1"/>
+          </a:effectRef>
+          <a:fontRef idx="minor">
+            <a:schemeClr val="tx1"/>
+          </a:fontRef>
+        </p:style>
+      </p:cxnSp>
+      <p:cxnSp>
+        <p:nvCxnSpPr>
+          <p:cNvPr id="52" name="直接箭头连接符 51">
+            <a:extLst>
+              <a:ext uri="{FF2B5EF4-FFF2-40B4-BE49-F238E27FC236}">
+                <a16:creationId xmlns:a16="http://schemas.microsoft.com/office/drawing/2014/main" id="{BAC86601-DCEB-4243-9500-3218362D5882}"/>
+              </a:ext>
+            </a:extLst>
+          </p:cNvPr>
+          <p:cNvCxnSpPr>
+            <a:cxnSpLocks/>
+          </p:cNvCxnSpPr>
+          <p:nvPr/>
+        </p:nvCxnSpPr>
+        <p:spPr>
+          <a:xfrm flipV="1">
+            <a:off x="2768644" y="4638896"/>
+            <a:ext cx="0" cy="136710"/>
+          </a:xfrm>
+          <a:prstGeom prst="straightConnector1">
+            <a:avLst/>
+          </a:prstGeom>
+          <a:ln>
+            <a:solidFill>
+              <a:srgbClr val="C00000"/>
+            </a:solidFill>
+            <a:tailEnd type="arrow" w="sm" len="sm"/>
+          </a:ln>
+        </p:spPr>
+        <p:style>
+          <a:lnRef idx="1">
+            <a:schemeClr val="accent1"/>
+          </a:lnRef>
+          <a:fillRef idx="0">
+            <a:schemeClr val="accent1"/>
+          </a:fillRef>
+          <a:effectRef idx="0">
+            <a:schemeClr val="accent1"/>
+          </a:effectRef>
+          <a:fontRef idx="minor">
+            <a:schemeClr val="tx1"/>
+          </a:fontRef>
+        </p:style>
+      </p:cxnSp>
+      <p:grpSp>
+        <p:nvGrpSpPr>
+          <p:cNvPr id="66" name="组合 65">
+            <a:extLst>
+              <a:ext uri="{FF2B5EF4-FFF2-40B4-BE49-F238E27FC236}">
+                <a16:creationId xmlns:a16="http://schemas.microsoft.com/office/drawing/2014/main" id="{59A32136-310A-4342-903B-131DE27E87C3}"/>
+              </a:ext>
+            </a:extLst>
+          </p:cNvPr>
+          <p:cNvGrpSpPr/>
+          <p:nvPr/>
+        </p:nvGrpSpPr>
+        <p:grpSpPr>
+          <a:xfrm>
+            <a:off x="1429616" y="3961975"/>
+            <a:ext cx="413299" cy="303644"/>
+            <a:chOff x="3254926" y="2949206"/>
+            <a:chExt cx="413299" cy="303644"/>
+          </a:xfrm>
+        </p:grpSpPr>
+        <p:cxnSp>
+          <p:nvCxnSpPr>
+            <p:cNvPr id="48" name="直接箭头连接符 47">
+              <a:extLst>
+                <a:ext uri="{FF2B5EF4-FFF2-40B4-BE49-F238E27FC236}">
+                  <a16:creationId xmlns:a16="http://schemas.microsoft.com/office/drawing/2014/main" id="{0DF7DC6A-96DF-4454-AC96-5EBE4D4C0984}"/>
+                </a:ext>
+              </a:extLst>
+            </p:cNvPr>
+            <p:cNvCxnSpPr>
+              <a:cxnSpLocks/>
+            </p:cNvCxnSpPr>
+            <p:nvPr/>
+          </p:nvCxnSpPr>
+          <p:spPr>
+            <a:xfrm>
+              <a:off x="3437963" y="3102990"/>
+              <a:ext cx="0" cy="149860"/>
+            </a:xfrm>
+            <a:prstGeom prst="straightConnector1">
+              <a:avLst/>
+            </a:prstGeom>
+            <a:ln>
+              <a:solidFill>
+                <a:srgbClr val="C00000"/>
+              </a:solidFill>
+              <a:tailEnd type="arrow" w="sm" len="sm"/>
+            </a:ln>
+          </p:spPr>
+          <p:style>
+            <a:lnRef idx="1">
+              <a:schemeClr val="accent1"/>
+            </a:lnRef>
+            <a:fillRef idx="0">
+              <a:schemeClr val="accent1"/>
+            </a:fillRef>
+            <a:effectRef idx="0">
+              <a:schemeClr val="accent1"/>
+            </a:effectRef>
+            <a:fontRef idx="minor">
+              <a:schemeClr val="tx1"/>
+            </a:fontRef>
+          </p:style>
+        </p:cxnSp>
+        <p:sp>
+          <p:nvSpPr>
+            <p:cNvPr id="58" name="文本框 57">
+              <a:extLst>
+                <a:ext uri="{FF2B5EF4-FFF2-40B4-BE49-F238E27FC236}">
+                  <a16:creationId xmlns:a16="http://schemas.microsoft.com/office/drawing/2014/main" id="{9816F606-8A69-40EF-9B8E-1C041C440809}"/>
+                </a:ext>
+              </a:extLst>
+            </p:cNvPr>
+            <p:cNvSpPr txBox="1"/>
+            <p:nvPr/>
+          </p:nvSpPr>
+          <p:spPr>
+            <a:xfrm>
+              <a:off x="3254926" y="2949206"/>
+              <a:ext cx="413299" cy="230832"/>
+            </a:xfrm>
+            <a:prstGeom prst="rect">
+              <a:avLst/>
+            </a:prstGeom>
+            <a:noFill/>
+          </p:spPr>
+          <p:txBody>
+            <a:bodyPr wrap="square" rtlCol="0">
+              <a:spAutoFit/>
+            </a:bodyPr>
+            <a:lstStyle/>
+            <a:p>
+              <a:r>
+                <a:rPr lang="en-US" altLang="zh-CN" sz="900" dirty="0"/>
+                <a:t>rear</a:t>
+              </a:r>
+              <a:endParaRPr lang="zh-CN" altLang="en-US" sz="900" dirty="0"/>
+            </a:p>
+          </p:txBody>
+        </p:sp>
+      </p:grpSp>
+      <p:sp>
+        <p:nvSpPr>
+          <p:cNvPr id="59" name="文本框 58">
+            <a:extLst>
+              <a:ext uri="{FF2B5EF4-FFF2-40B4-BE49-F238E27FC236}">
+                <a16:creationId xmlns:a16="http://schemas.microsoft.com/office/drawing/2014/main" id="{A346F676-85B9-47EC-B5AB-DE290EAE53EF}"/>
+              </a:ext>
+            </a:extLst>
+          </p:cNvPr>
+          <p:cNvSpPr txBox="1"/>
+          <p:nvPr/>
+        </p:nvSpPr>
+        <p:spPr>
+          <a:xfrm>
+            <a:off x="2564362" y="4707251"/>
+            <a:ext cx="462441" cy="230832"/>
+          </a:xfrm>
+          <a:prstGeom prst="rect">
+            <a:avLst/>
+          </a:prstGeom>
+          <a:noFill/>
+        </p:spPr>
+        <p:txBody>
+          <a:bodyPr wrap="square" rtlCol="0">
+            <a:spAutoFit/>
+          </a:bodyPr>
+          <a:lstStyle/>
+          <a:p>
+            <a:r>
+              <a:rPr lang="en-US" altLang="zh-CN" sz="900" dirty="0"/>
+              <a:t>front</a:t>
+            </a:r>
+            <a:endParaRPr lang="zh-CN" altLang="en-US" sz="900" dirty="0"/>
+          </a:p>
+        </p:txBody>
+      </p:sp>
+      <p:sp>
+        <p:nvSpPr>
+          <p:cNvPr id="68" name="矩形 67">
+            <a:extLst>
+              <a:ext uri="{FF2B5EF4-FFF2-40B4-BE49-F238E27FC236}">
+                <a16:creationId xmlns:a16="http://schemas.microsoft.com/office/drawing/2014/main" id="{DC2A4A55-28A7-44F0-ABD2-D2D98957B4DB}"/>
+              </a:ext>
+            </a:extLst>
+          </p:cNvPr>
+          <p:cNvSpPr/>
+          <p:nvPr/>
+        </p:nvSpPr>
+        <p:spPr>
+          <a:xfrm rot="16200000">
+            <a:off x="5928792" y="3642233"/>
+            <a:ext cx="236675" cy="557112"/>
+          </a:xfrm>
+          <a:prstGeom prst="rect">
+            <a:avLst/>
+          </a:prstGeom>
+          <a:ln w="25400"/>
+        </p:spPr>
+        <p:style>
+          <a:lnRef idx="2">
+            <a:schemeClr val="dk1"/>
+          </a:lnRef>
+          <a:fillRef idx="1">
+            <a:schemeClr val="lt1"/>
+          </a:fillRef>
+          <a:effectRef idx="0">
+            <a:schemeClr val="dk1"/>
+          </a:effectRef>
+          <a:fontRef idx="minor">
+            <a:schemeClr val="dk1"/>
+          </a:fontRef>
+        </p:style>
+        <p:txBody>
+          <a:bodyPr rtlCol="0" anchor="ctr"/>
+          <a:lstStyle/>
+          <a:p>
+            <a:pPr algn="ctr"/>
+            <a:endParaRPr lang="zh-CN" altLang="en-US"/>
+          </a:p>
+        </p:txBody>
+      </p:sp>
+      <p:cxnSp>
+        <p:nvCxnSpPr>
+          <p:cNvPr id="69" name="直接连接符 68">
+            <a:extLst>
+              <a:ext uri="{FF2B5EF4-FFF2-40B4-BE49-F238E27FC236}">
+                <a16:creationId xmlns:a16="http://schemas.microsoft.com/office/drawing/2014/main" id="{62358CCE-E08E-46B4-AFE4-0AA7ABA20EDF}"/>
+              </a:ext>
+            </a:extLst>
+          </p:cNvPr>
+          <p:cNvCxnSpPr>
+            <a:cxnSpLocks/>
+          </p:cNvCxnSpPr>
+          <p:nvPr/>
+        </p:nvCxnSpPr>
+        <p:spPr>
+          <a:xfrm flipH="1">
+            <a:off x="5712846" y="4082869"/>
+            <a:ext cx="679371" cy="1"/>
           </a:xfrm>
           <a:prstGeom prst="line">
             <a:avLst/>
@@ -3958,12 +5812,96 @@
           </a:fontRef>
         </p:style>
       </p:cxnSp>
+      <p:sp>
+        <p:nvSpPr>
+          <p:cNvPr id="71" name="矩形 70">
+            <a:extLst>
+              <a:ext uri="{FF2B5EF4-FFF2-40B4-BE49-F238E27FC236}">
+                <a16:creationId xmlns:a16="http://schemas.microsoft.com/office/drawing/2014/main" id="{39E46817-0789-489D-8149-B1A710A696AA}"/>
+              </a:ext>
+            </a:extLst>
+          </p:cNvPr>
+          <p:cNvSpPr/>
+          <p:nvPr/>
+        </p:nvSpPr>
+        <p:spPr>
+          <a:xfrm rot="16200000">
+            <a:off x="5929923" y="3063677"/>
+            <a:ext cx="236675" cy="557112"/>
+          </a:xfrm>
+          <a:prstGeom prst="rect">
+            <a:avLst/>
+          </a:prstGeom>
+          <a:ln w="25400"/>
+        </p:spPr>
+        <p:style>
+          <a:lnRef idx="2">
+            <a:schemeClr val="dk1"/>
+          </a:lnRef>
+          <a:fillRef idx="1">
+            <a:schemeClr val="lt1"/>
+          </a:fillRef>
+          <a:effectRef idx="0">
+            <a:schemeClr val="dk1"/>
+          </a:effectRef>
+          <a:fontRef idx="minor">
+            <a:schemeClr val="dk1"/>
+          </a:fontRef>
+        </p:style>
+        <p:txBody>
+          <a:bodyPr rtlCol="0" anchor="ctr"/>
+          <a:lstStyle/>
+          <a:p>
+            <a:pPr algn="ctr"/>
+            <a:endParaRPr lang="zh-CN" altLang="en-US"/>
+          </a:p>
+        </p:txBody>
+      </p:sp>
       <p:cxnSp>
         <p:nvCxnSpPr>
-          <p:cNvPr id="7" name="直接连接符 6">
-            <a:extLst>
-              <a:ext uri="{FF2B5EF4-FFF2-40B4-BE49-F238E27FC236}">
-                <a16:creationId xmlns:a16="http://schemas.microsoft.com/office/drawing/2014/main" id="{E87B83AE-E287-4F25-A74D-D96772251A8A}"/>
+          <p:cNvPr id="72" name="直接连接符 71">
+            <a:extLst>
+              <a:ext uri="{FF2B5EF4-FFF2-40B4-BE49-F238E27FC236}">
+                <a16:creationId xmlns:a16="http://schemas.microsoft.com/office/drawing/2014/main" id="{B9F6E3F9-D594-4A27-943D-DC487EE5DFEF}"/>
+              </a:ext>
+            </a:extLst>
+          </p:cNvPr>
+          <p:cNvCxnSpPr>
+            <a:cxnSpLocks/>
+          </p:cNvCxnSpPr>
+          <p:nvPr/>
+        </p:nvCxnSpPr>
+        <p:spPr>
+          <a:xfrm flipV="1">
+            <a:off x="6381647" y="2819413"/>
+            <a:ext cx="1" cy="1275165"/>
+          </a:xfrm>
+          <a:prstGeom prst="line">
+            <a:avLst/>
+          </a:prstGeom>
+          <a:ln w="25400"/>
+        </p:spPr>
+        <p:style>
+          <a:lnRef idx="2">
+            <a:schemeClr val="dk1"/>
+          </a:lnRef>
+          <a:fillRef idx="1">
+            <a:schemeClr val="lt1"/>
+          </a:fillRef>
+          <a:effectRef idx="0">
+            <a:schemeClr val="dk1"/>
+          </a:effectRef>
+          <a:fontRef idx="minor">
+            <a:schemeClr val="dk1"/>
+          </a:fontRef>
+        </p:style>
+      </p:cxnSp>
+      <p:cxnSp>
+        <p:nvCxnSpPr>
+          <p:cNvPr id="73" name="连接符: 曲线 72">
+            <a:extLst>
+              <a:ext uri="{FF2B5EF4-FFF2-40B4-BE49-F238E27FC236}">
+                <a16:creationId xmlns:a16="http://schemas.microsoft.com/office/drawing/2014/main" id="{6CBEB611-7AE6-4DD7-B879-BBE1415A24E6}"/>
               </a:ext>
             </a:extLst>
           </p:cNvPr>
@@ -3974,8 +5912,96 @@
         </p:nvCxnSpPr>
         <p:spPr>
           <a:xfrm>
-            <a:off x="3240233" y="4892490"/>
-            <a:ext cx="1673548" cy="0"/>
+            <a:off x="5575988" y="2691129"/>
+            <a:ext cx="390718" cy="200118"/>
+          </a:xfrm>
+          <a:prstGeom prst="curvedConnector3">
+            <a:avLst>
+              <a:gd name="adj1" fmla="val 99406"/>
+            </a:avLst>
+          </a:prstGeom>
+          <a:ln>
+            <a:prstDash val="dash"/>
+            <a:tailEnd type="stealth"/>
+          </a:ln>
+        </p:spPr>
+        <p:style>
+          <a:lnRef idx="2">
+            <a:schemeClr val="dk1"/>
+          </a:lnRef>
+          <a:fillRef idx="0">
+            <a:schemeClr val="dk1"/>
+          </a:fillRef>
+          <a:effectRef idx="1">
+            <a:schemeClr val="dk1"/>
+          </a:effectRef>
+          <a:fontRef idx="minor">
+            <a:schemeClr val="tx1"/>
+          </a:fontRef>
+        </p:style>
+      </p:cxnSp>
+      <p:cxnSp>
+        <p:nvCxnSpPr>
+          <p:cNvPr id="74" name="连接符: 曲线 73">
+            <a:extLst>
+              <a:ext uri="{FF2B5EF4-FFF2-40B4-BE49-F238E27FC236}">
+                <a16:creationId xmlns:a16="http://schemas.microsoft.com/office/drawing/2014/main" id="{4BCBBE2E-DB5A-4E73-9046-14C893E5C186}"/>
+              </a:ext>
+            </a:extLst>
+          </p:cNvPr>
+          <p:cNvCxnSpPr>
+            <a:cxnSpLocks/>
+          </p:cNvCxnSpPr>
+          <p:nvPr/>
+        </p:nvCxnSpPr>
+        <p:spPr>
+          <a:xfrm flipV="1">
+            <a:off x="6129020" y="2696720"/>
+            <a:ext cx="368300" cy="189704"/>
+          </a:xfrm>
+          <a:prstGeom prst="curvedConnector3">
+            <a:avLst>
+              <a:gd name="adj1" fmla="val -345"/>
+            </a:avLst>
+          </a:prstGeom>
+          <a:ln>
+            <a:prstDash val="dash"/>
+            <a:tailEnd type="stealth"/>
+          </a:ln>
+        </p:spPr>
+        <p:style>
+          <a:lnRef idx="2">
+            <a:schemeClr val="dk1"/>
+          </a:lnRef>
+          <a:fillRef idx="0">
+            <a:schemeClr val="dk1"/>
+          </a:fillRef>
+          <a:effectRef idx="1">
+            <a:schemeClr val="dk1"/>
+          </a:effectRef>
+          <a:fontRef idx="minor">
+            <a:schemeClr val="tx1"/>
+          </a:fontRef>
+        </p:style>
+      </p:cxnSp>
+      <p:cxnSp>
+        <p:nvCxnSpPr>
+          <p:cNvPr id="79" name="直接连接符 78">
+            <a:extLst>
+              <a:ext uri="{FF2B5EF4-FFF2-40B4-BE49-F238E27FC236}">
+                <a16:creationId xmlns:a16="http://schemas.microsoft.com/office/drawing/2014/main" id="{45749972-91A5-4D4B-8CA7-0106C5F10CDD}"/>
+              </a:ext>
+            </a:extLst>
+          </p:cNvPr>
+          <p:cNvCxnSpPr>
+            <a:cxnSpLocks/>
+          </p:cNvCxnSpPr>
+          <p:nvPr/>
+        </p:nvCxnSpPr>
+        <p:spPr>
+          <a:xfrm flipV="1">
+            <a:off x="5716552" y="2819413"/>
+            <a:ext cx="1" cy="1275165"/>
           </a:xfrm>
           <a:prstGeom prst="line">
             <a:avLst/>
@@ -3999,10 +6025,10 @@
       </p:cxnSp>
       <p:sp>
         <p:nvSpPr>
-          <p:cNvPr id="10" name="矩形 9">
-            <a:extLst>
-              <a:ext uri="{FF2B5EF4-FFF2-40B4-BE49-F238E27FC236}">
-                <a16:creationId xmlns:a16="http://schemas.microsoft.com/office/drawing/2014/main" id="{49A0E667-B5A1-4D7A-A1AA-A72DF5910229}"/>
+          <p:cNvPr id="80" name="矩形 79">
+            <a:extLst>
+              <a:ext uri="{FF2B5EF4-FFF2-40B4-BE49-F238E27FC236}">
+                <a16:creationId xmlns:a16="http://schemas.microsoft.com/office/drawing/2014/main" id="{67459EF6-13C9-4615-9293-916283DE7906}"/>
               </a:ext>
             </a:extLst>
           </p:cNvPr>
@@ -4010,9 +6036,9 @@
           <p:nvPr/>
         </p:nvSpPr>
         <p:spPr>
-          <a:xfrm>
-            <a:off x="3570194" y="4383741"/>
-            <a:ext cx="292788" cy="437027"/>
+          <a:xfrm rot="16200000">
+            <a:off x="5929924" y="2771835"/>
+            <a:ext cx="236675" cy="557112"/>
           </a:xfrm>
           <a:prstGeom prst="rect">
             <a:avLst/>
@@ -4044,100 +6070,82 @@
       </p:sp>
       <p:sp>
         <p:nvSpPr>
-          <p:cNvPr id="11" name="矩形 10">
-            <a:extLst>
-              <a:ext uri="{FF2B5EF4-FFF2-40B4-BE49-F238E27FC236}">
-                <a16:creationId xmlns:a16="http://schemas.microsoft.com/office/drawing/2014/main" id="{DDE90B15-29AF-4BC4-9A1E-7C576E43149B}"/>
-              </a:ext>
-            </a:extLst>
-          </p:cNvPr>
-          <p:cNvSpPr/>
+          <p:cNvPr id="81" name="文本框 80">
+            <a:extLst>
+              <a:ext uri="{FF2B5EF4-FFF2-40B4-BE49-F238E27FC236}">
+                <a16:creationId xmlns:a16="http://schemas.microsoft.com/office/drawing/2014/main" id="{3F136988-25F2-484B-A2DE-7F2F9E86EC17}"/>
+              </a:ext>
+            </a:extLst>
+          </p:cNvPr>
+          <p:cNvSpPr txBox="1"/>
           <p:nvPr/>
         </p:nvSpPr>
         <p:spPr>
           <a:xfrm>
-            <a:off x="3914497" y="4383740"/>
-            <a:ext cx="292788" cy="437027"/>
+            <a:off x="799060" y="4381620"/>
+            <a:ext cx="598126" cy="230832"/>
           </a:xfrm>
           <a:prstGeom prst="rect">
             <a:avLst/>
           </a:prstGeom>
-          <a:ln w="25400"/>
+          <a:noFill/>
         </p:spPr>
-        <p:style>
-          <a:lnRef idx="2">
-            <a:schemeClr val="dk1"/>
-          </a:lnRef>
-          <a:fillRef idx="1">
-            <a:schemeClr val="lt1"/>
-          </a:fillRef>
-          <a:effectRef idx="0">
-            <a:schemeClr val="dk1"/>
-          </a:effectRef>
-          <a:fontRef idx="minor">
-            <a:schemeClr val="dk1"/>
-          </a:fontRef>
-        </p:style>
-        <p:txBody>
-          <a:bodyPr rtlCol="0" anchor="ctr"/>
-          <a:lstStyle/>
-          <a:p>
-            <a:pPr algn="ctr"/>
-            <a:endParaRPr lang="zh-CN" altLang="en-US"/>
-          </a:p>
-        </p:txBody>
-      </p:sp>
-      <p:sp>
-        <p:nvSpPr>
-          <p:cNvPr id="12" name="矩形 11">
-            <a:extLst>
-              <a:ext uri="{FF2B5EF4-FFF2-40B4-BE49-F238E27FC236}">
-                <a16:creationId xmlns:a16="http://schemas.microsoft.com/office/drawing/2014/main" id="{3A33048E-A9C9-4150-91A8-748377F25408}"/>
-              </a:ext>
-            </a:extLst>
-          </p:cNvPr>
-          <p:cNvSpPr/>
+        <p:txBody>
+          <a:bodyPr wrap="square" rtlCol="0">
+            <a:spAutoFit/>
+          </a:bodyPr>
+          <a:lstStyle/>
+          <a:p>
+            <a:r>
+              <a:rPr lang="en-US" altLang="zh-CN" sz="900" dirty="0"/>
+              <a:t>enqueue</a:t>
+            </a:r>
+            <a:endParaRPr lang="zh-CN" altLang="en-US" sz="900" dirty="0"/>
+          </a:p>
+        </p:txBody>
+      </p:sp>
+      <p:sp>
+        <p:nvSpPr>
+          <p:cNvPr id="82" name="文本框 81">
+            <a:extLst>
+              <a:ext uri="{FF2B5EF4-FFF2-40B4-BE49-F238E27FC236}">
+                <a16:creationId xmlns:a16="http://schemas.microsoft.com/office/drawing/2014/main" id="{8343DEDD-55A7-4903-8ABA-6E9206AC958B}"/>
+              </a:ext>
+            </a:extLst>
+          </p:cNvPr>
+          <p:cNvSpPr txBox="1"/>
           <p:nvPr/>
         </p:nvSpPr>
         <p:spPr>
           <a:xfrm>
-            <a:off x="4258800" y="4383741"/>
-            <a:ext cx="292788" cy="437027"/>
+            <a:off x="2949999" y="4259336"/>
+            <a:ext cx="609033" cy="230832"/>
           </a:xfrm>
           <a:prstGeom prst="rect">
             <a:avLst/>
           </a:prstGeom>
-          <a:ln w="25400"/>
+          <a:noFill/>
         </p:spPr>
-        <p:style>
-          <a:lnRef idx="2">
-            <a:schemeClr val="dk1"/>
-          </a:lnRef>
-          <a:fillRef idx="1">
-            <a:schemeClr val="lt1"/>
-          </a:fillRef>
-          <a:effectRef idx="0">
-            <a:schemeClr val="dk1"/>
-          </a:effectRef>
-          <a:fontRef idx="minor">
-            <a:schemeClr val="dk1"/>
-          </a:fontRef>
-        </p:style>
-        <p:txBody>
-          <a:bodyPr rtlCol="0" anchor="ctr"/>
-          <a:lstStyle/>
-          <a:p>
-            <a:pPr algn="ctr"/>
-            <a:endParaRPr lang="zh-CN" altLang="en-US"/>
+        <p:txBody>
+          <a:bodyPr wrap="square" rtlCol="0">
+            <a:spAutoFit/>
+          </a:bodyPr>
+          <a:lstStyle/>
+          <a:p>
+            <a:r>
+              <a:rPr lang="en-US" altLang="zh-CN" sz="900" dirty="0"/>
+              <a:t>dequeue</a:t>
+            </a:r>
+            <a:endParaRPr lang="zh-CN" altLang="en-US" sz="900" dirty="0"/>
           </a:p>
         </p:txBody>
       </p:sp>
       <p:cxnSp>
         <p:nvCxnSpPr>
-          <p:cNvPr id="15" name="直接箭头连接符 14">
-            <a:extLst>
-              <a:ext uri="{FF2B5EF4-FFF2-40B4-BE49-F238E27FC236}">
-                <a16:creationId xmlns:a16="http://schemas.microsoft.com/office/drawing/2014/main" id="{27667381-B01B-45AB-9086-EEF7852D74FE}"/>
+          <p:cNvPr id="83" name="直接连接符 82">
+            <a:extLst>
+              <a:ext uri="{FF2B5EF4-FFF2-40B4-BE49-F238E27FC236}">
+                <a16:creationId xmlns:a16="http://schemas.microsoft.com/office/drawing/2014/main" id="{413488CF-34E6-464B-8B13-3D65532811EF}"/>
               </a:ext>
             </a:extLst>
           </p:cNvPr>
@@ -4147,295 +6155,191 @@
           <p:nvPr/>
         </p:nvCxnSpPr>
         <p:spPr>
-          <a:xfrm flipV="1">
-            <a:off x="4646242" y="4605612"/>
-            <a:ext cx="265438" cy="2"/>
-          </a:xfrm>
-          <a:prstGeom prst="straightConnector1">
+          <a:xfrm>
+            <a:off x="6047129" y="3536771"/>
+            <a:ext cx="0" cy="219889"/>
+          </a:xfrm>
+          <a:prstGeom prst="line">
             <a:avLst/>
           </a:prstGeom>
-          <a:ln w="25400">
-            <a:tailEnd type="triangle"/>
+          <a:ln w="22225">
+            <a:solidFill>
+              <a:schemeClr val="tx1"/>
+            </a:solidFill>
+            <a:prstDash val="sysDot"/>
           </a:ln>
         </p:spPr>
         <p:style>
-          <a:lnRef idx="2">
-            <a:schemeClr val="dk1"/>
+          <a:lnRef idx="1">
+            <a:schemeClr val="accent1"/>
           </a:lnRef>
-          <a:fillRef idx="1">
-            <a:schemeClr val="lt1"/>
+          <a:fillRef idx="0">
+            <a:schemeClr val="accent1"/>
           </a:fillRef>
           <a:effectRef idx="0">
-            <a:schemeClr val="dk1"/>
+            <a:schemeClr val="accent1"/>
           </a:effectRef>
           <a:fontRef idx="minor">
-            <a:schemeClr val="dk1"/>
+            <a:schemeClr val="tx1"/>
           </a:fontRef>
         </p:style>
       </p:cxnSp>
       <p:cxnSp>
         <p:nvCxnSpPr>
-          <p:cNvPr id="16" name="直接箭头连接符 15">
-            <a:extLst>
-              <a:ext uri="{FF2B5EF4-FFF2-40B4-BE49-F238E27FC236}">
-                <a16:creationId xmlns:a16="http://schemas.microsoft.com/office/drawing/2014/main" id="{9A69060F-8A13-4322-9FBC-E7591799508B}"/>
-              </a:ext>
-            </a:extLst>
-          </p:cNvPr>
-          <p:cNvCxnSpPr/>
+          <p:cNvPr id="88" name="直接箭头连接符 87">
+            <a:extLst>
+              <a:ext uri="{FF2B5EF4-FFF2-40B4-BE49-F238E27FC236}">
+                <a16:creationId xmlns:a16="http://schemas.microsoft.com/office/drawing/2014/main" id="{9EC05B5F-A848-44D0-B71A-B7C6DEEF8A6D}"/>
+              </a:ext>
+            </a:extLst>
+          </p:cNvPr>
+          <p:cNvCxnSpPr>
+            <a:cxnSpLocks/>
+          </p:cNvCxnSpPr>
           <p:nvPr/>
         </p:nvCxnSpPr>
         <p:spPr>
-          <a:xfrm flipV="1">
-            <a:off x="3239566" y="4605614"/>
-            <a:ext cx="265438" cy="2"/>
+          <a:xfrm>
+            <a:off x="5464089" y="3050391"/>
+            <a:ext cx="205191" cy="0"/>
           </a:xfrm>
           <a:prstGeom prst="straightConnector1">
             <a:avLst/>
           </a:prstGeom>
-          <a:ln w="25400">
-            <a:tailEnd type="triangle"/>
+          <a:ln>
+            <a:solidFill>
+              <a:srgbClr val="C00000"/>
+            </a:solidFill>
+            <a:tailEnd type="arrow" w="sm" len="sm"/>
           </a:ln>
         </p:spPr>
         <p:style>
-          <a:lnRef idx="2">
-            <a:schemeClr val="dk1"/>
+          <a:lnRef idx="1">
+            <a:schemeClr val="accent1"/>
           </a:lnRef>
-          <a:fillRef idx="1">
-            <a:schemeClr val="lt1"/>
+          <a:fillRef idx="0">
+            <a:schemeClr val="accent1"/>
           </a:fillRef>
           <a:effectRef idx="0">
-            <a:schemeClr val="dk1"/>
+            <a:schemeClr val="accent1"/>
           </a:effectRef>
           <a:fontRef idx="minor">
-            <a:schemeClr val="dk1"/>
+            <a:schemeClr val="tx1"/>
           </a:fontRef>
         </p:style>
       </p:cxnSp>
       <p:sp>
         <p:nvSpPr>
-          <p:cNvPr id="19" name="矩形 18">
-            <a:extLst>
-              <a:ext uri="{FF2B5EF4-FFF2-40B4-BE49-F238E27FC236}">
-                <a16:creationId xmlns:a16="http://schemas.microsoft.com/office/drawing/2014/main" id="{797420EA-CCB2-40E4-932A-313A3A0C997D}"/>
-              </a:ext>
-            </a:extLst>
-          </p:cNvPr>
-          <p:cNvSpPr/>
+          <p:cNvPr id="91" name="文本框 90">
+            <a:extLst>
+              <a:ext uri="{FF2B5EF4-FFF2-40B4-BE49-F238E27FC236}">
+                <a16:creationId xmlns:a16="http://schemas.microsoft.com/office/drawing/2014/main" id="{2E0E11C8-529E-47C3-95E5-E19DE8B7F4E2}"/>
+              </a:ext>
+            </a:extLst>
+          </p:cNvPr>
+          <p:cNvSpPr txBox="1"/>
           <p:nvPr/>
         </p:nvSpPr>
         <p:spPr>
           <a:xfrm>
-            <a:off x="1337481" y="887104"/>
-            <a:ext cx="143301" cy="648269"/>
+            <a:off x="5172954" y="2855403"/>
+            <a:ext cx="462441" cy="230832"/>
           </a:xfrm>
           <a:prstGeom prst="rect">
             <a:avLst/>
           </a:prstGeom>
+          <a:noFill/>
         </p:spPr>
-        <p:style>
-          <a:lnRef idx="2">
-            <a:schemeClr val="dk1"/>
-          </a:lnRef>
-          <a:fillRef idx="1">
-            <a:schemeClr val="lt1"/>
-          </a:fillRef>
-          <a:effectRef idx="0">
-            <a:schemeClr val="dk1"/>
-          </a:effectRef>
-          <a:fontRef idx="minor">
-            <a:schemeClr val="dk1"/>
-          </a:fontRef>
-        </p:style>
-        <p:txBody>
-          <a:bodyPr rtlCol="0" anchor="ctr"/>
-          <a:lstStyle/>
-          <a:p>
-            <a:pPr algn="ctr"/>
-            <a:endParaRPr lang="zh-CN" altLang="en-US" dirty="0"/>
-          </a:p>
-        </p:txBody>
-      </p:sp>
-      <p:sp>
-        <p:nvSpPr>
-          <p:cNvPr id="20" name="矩形 19">
-            <a:extLst>
-              <a:ext uri="{FF2B5EF4-FFF2-40B4-BE49-F238E27FC236}">
-                <a16:creationId xmlns:a16="http://schemas.microsoft.com/office/drawing/2014/main" id="{AC5224BF-96FC-4FD5-AF27-DA327D662E72}"/>
-              </a:ext>
-            </a:extLst>
-          </p:cNvPr>
-          <p:cNvSpPr/>
+        <p:txBody>
+          <a:bodyPr wrap="square" rtlCol="0">
+            <a:spAutoFit/>
+          </a:bodyPr>
+          <a:lstStyle/>
+          <a:p>
+            <a:r>
+              <a:rPr lang="en-US" altLang="zh-CN" sz="900" dirty="0"/>
+              <a:t>top</a:t>
+            </a:r>
+            <a:endParaRPr lang="zh-CN" altLang="en-US" sz="900" dirty="0"/>
+          </a:p>
+        </p:txBody>
+      </p:sp>
+      <p:sp>
+        <p:nvSpPr>
+          <p:cNvPr id="92" name="文本框 91">
+            <a:extLst>
+              <a:ext uri="{FF2B5EF4-FFF2-40B4-BE49-F238E27FC236}">
+                <a16:creationId xmlns:a16="http://schemas.microsoft.com/office/drawing/2014/main" id="{5BD3593C-D32C-423F-9FFB-1318448A520E}"/>
+              </a:ext>
+            </a:extLst>
+          </p:cNvPr>
+          <p:cNvSpPr txBox="1"/>
           <p:nvPr/>
         </p:nvSpPr>
         <p:spPr>
           <a:xfrm>
-            <a:off x="1543334" y="715369"/>
-            <a:ext cx="143301" cy="820004"/>
+            <a:off x="5232868" y="2572056"/>
+            <a:ext cx="462441" cy="230832"/>
           </a:xfrm>
           <a:prstGeom prst="rect">
             <a:avLst/>
           </a:prstGeom>
+          <a:noFill/>
         </p:spPr>
-        <p:style>
-          <a:lnRef idx="2">
-            <a:schemeClr val="dk1"/>
-          </a:lnRef>
-          <a:fillRef idx="1">
-            <a:schemeClr val="lt1"/>
-          </a:fillRef>
-          <a:effectRef idx="0">
-            <a:schemeClr val="dk1"/>
-          </a:effectRef>
-          <a:fontRef idx="minor">
-            <a:schemeClr val="dk1"/>
-          </a:fontRef>
-        </p:style>
-        <p:txBody>
-          <a:bodyPr rtlCol="0" anchor="ctr"/>
-          <a:lstStyle/>
-          <a:p>
-            <a:pPr algn="ctr"/>
-            <a:endParaRPr lang="zh-CN" altLang="en-US" dirty="0"/>
-          </a:p>
-        </p:txBody>
-      </p:sp>
-      <p:sp>
-        <p:nvSpPr>
-          <p:cNvPr id="21" name="矩形 20">
-            <a:extLst>
-              <a:ext uri="{FF2B5EF4-FFF2-40B4-BE49-F238E27FC236}">
-                <a16:creationId xmlns:a16="http://schemas.microsoft.com/office/drawing/2014/main" id="{6F864260-C5B0-4167-A8E8-34607E8DC3C8}"/>
-              </a:ext>
-            </a:extLst>
-          </p:cNvPr>
-          <p:cNvSpPr/>
+        <p:txBody>
+          <a:bodyPr wrap="square" rtlCol="0">
+            <a:spAutoFit/>
+          </a:bodyPr>
+          <a:lstStyle/>
+          <a:p>
+            <a:r>
+              <a:rPr lang="en-US" altLang="zh-CN" sz="900" dirty="0"/>
+              <a:t>push</a:t>
+            </a:r>
+            <a:endParaRPr lang="zh-CN" altLang="en-US" sz="900" dirty="0"/>
+          </a:p>
+        </p:txBody>
+      </p:sp>
+      <p:sp>
+        <p:nvSpPr>
+          <p:cNvPr id="93" name="文本框 92">
+            <a:extLst>
+              <a:ext uri="{FF2B5EF4-FFF2-40B4-BE49-F238E27FC236}">
+                <a16:creationId xmlns:a16="http://schemas.microsoft.com/office/drawing/2014/main" id="{42D3524A-D8B6-4E0C-A816-3FAE3460663C}"/>
+              </a:ext>
+            </a:extLst>
+          </p:cNvPr>
+          <p:cNvSpPr txBox="1"/>
           <p:nvPr/>
         </p:nvSpPr>
         <p:spPr>
           <a:xfrm>
-            <a:off x="1749187" y="887104"/>
-            <a:ext cx="143301" cy="648269"/>
+            <a:off x="6428413" y="2568128"/>
+            <a:ext cx="462441" cy="230832"/>
           </a:xfrm>
           <a:prstGeom prst="rect">
             <a:avLst/>
           </a:prstGeom>
+          <a:noFill/>
         </p:spPr>
-        <p:style>
-          <a:lnRef idx="2">
-            <a:schemeClr val="dk1"/>
-          </a:lnRef>
-          <a:fillRef idx="1">
-            <a:schemeClr val="lt1"/>
-          </a:fillRef>
-          <a:effectRef idx="0">
-            <a:schemeClr val="dk1"/>
-          </a:effectRef>
-          <a:fontRef idx="minor">
-            <a:schemeClr val="dk1"/>
-          </a:fontRef>
-        </p:style>
-        <p:txBody>
-          <a:bodyPr rtlCol="0" anchor="ctr"/>
-          <a:lstStyle/>
-          <a:p>
-            <a:pPr algn="ctr"/>
-            <a:endParaRPr lang="zh-CN" altLang="en-US" dirty="0"/>
-          </a:p>
-        </p:txBody>
-      </p:sp>
-      <p:sp>
-        <p:nvSpPr>
-          <p:cNvPr id="22" name="矩形 21">
-            <a:extLst>
-              <a:ext uri="{FF2B5EF4-FFF2-40B4-BE49-F238E27FC236}">
-                <a16:creationId xmlns:a16="http://schemas.microsoft.com/office/drawing/2014/main" id="{8D06F1BB-875C-4177-835D-5DEFE4B872D5}"/>
-              </a:ext>
-            </a:extLst>
-          </p:cNvPr>
-          <p:cNvSpPr/>
-          <p:nvPr/>
-        </p:nvSpPr>
-        <p:spPr>
-          <a:xfrm>
-            <a:off x="1955040" y="818865"/>
-            <a:ext cx="143301" cy="716508"/>
-          </a:xfrm>
-          <a:prstGeom prst="rect">
-            <a:avLst/>
-          </a:prstGeom>
-        </p:spPr>
-        <p:style>
-          <a:lnRef idx="2">
-            <a:schemeClr val="dk1"/>
-          </a:lnRef>
-          <a:fillRef idx="1">
-            <a:schemeClr val="lt1"/>
-          </a:fillRef>
-          <a:effectRef idx="0">
-            <a:schemeClr val="dk1"/>
-          </a:effectRef>
-          <a:fontRef idx="minor">
-            <a:schemeClr val="dk1"/>
-          </a:fontRef>
-        </p:style>
-        <p:txBody>
-          <a:bodyPr rtlCol="0" anchor="ctr"/>
-          <a:lstStyle/>
-          <a:p>
-            <a:pPr algn="ctr"/>
-            <a:endParaRPr lang="zh-CN" altLang="en-US" dirty="0"/>
-          </a:p>
-        </p:txBody>
-      </p:sp>
-      <p:sp>
-        <p:nvSpPr>
-          <p:cNvPr id="23" name="矩形 22">
-            <a:extLst>
-              <a:ext uri="{FF2B5EF4-FFF2-40B4-BE49-F238E27FC236}">
-                <a16:creationId xmlns:a16="http://schemas.microsoft.com/office/drawing/2014/main" id="{E8C822FD-1CC2-4609-8009-9C3D419381C3}"/>
-              </a:ext>
-            </a:extLst>
-          </p:cNvPr>
-          <p:cNvSpPr/>
-          <p:nvPr/>
-        </p:nvSpPr>
-        <p:spPr>
-          <a:xfrm>
-            <a:off x="1126511" y="1001972"/>
-            <a:ext cx="143301" cy="533401"/>
-          </a:xfrm>
-          <a:prstGeom prst="rect">
-            <a:avLst/>
-          </a:prstGeom>
-        </p:spPr>
-        <p:style>
-          <a:lnRef idx="2">
-            <a:schemeClr val="dk1"/>
-          </a:lnRef>
-          <a:fillRef idx="1">
-            <a:schemeClr val="lt1"/>
-          </a:fillRef>
-          <a:effectRef idx="0">
-            <a:schemeClr val="dk1"/>
-          </a:effectRef>
-          <a:fontRef idx="minor">
-            <a:schemeClr val="dk1"/>
-          </a:fontRef>
-        </p:style>
-        <p:txBody>
-          <a:bodyPr rtlCol="0" anchor="ctr"/>
-          <a:lstStyle/>
-          <a:p>
-            <a:pPr algn="ctr"/>
-            <a:endParaRPr lang="zh-CN" altLang="en-US" dirty="0"/>
+        <p:txBody>
+          <a:bodyPr wrap="square" rtlCol="0">
+            <a:spAutoFit/>
+          </a:bodyPr>
+          <a:lstStyle/>
+          <a:p>
+            <a:r>
+              <a:rPr lang="en-US" altLang="zh-CN" sz="900" dirty="0"/>
+              <a:t>pop</a:t>
+            </a:r>
+            <a:endParaRPr lang="zh-CN" altLang="en-US" sz="900" dirty="0"/>
           </a:p>
         </p:txBody>
       </p:sp>
     </p:spTree>
     <p:extLst>
       <p:ext uri="{BB962C8B-B14F-4D97-AF65-F5344CB8AC3E}">
-        <p14:creationId xmlns:p14="http://schemas.microsoft.com/office/powerpoint/2010/main" val="1644494076"/>
+        <p14:creationId xmlns:p14="http://schemas.microsoft.com/office/powerpoint/2010/main" val="1411826790"/>
       </p:ext>
     </p:extLst>
   </p:cSld>
